--- a/Cadastro de Frotas- Apresentação.pptx
+++ b/Cadastro de Frotas- Apresentação.pptx
@@ -347,7 +347,7 @@
             <a:fld id="{4FF65F46-31A6-4323-8EED-DA6B9C8A0773}" type="datetimeFigureOut">
               <a:rPr lang="pt-BR" smtClean="0"/>
               <a:pPr/>
-              <a:t>03/10/2016</a:t>
+              <a:t>12/10/2016</a:t>
             </a:fld>
             <a:endParaRPr lang="pt-BR" dirty="0"/>
           </a:p>
@@ -562,7 +562,7 @@
             <a:fld id="{4FF65F46-31A6-4323-8EED-DA6B9C8A0773}" type="datetimeFigureOut">
               <a:rPr lang="pt-BR" smtClean="0"/>
               <a:pPr/>
-              <a:t>03/10/2016</a:t>
+              <a:t>12/10/2016</a:t>
             </a:fld>
             <a:endParaRPr lang="pt-BR" dirty="0"/>
           </a:p>
@@ -739,7 +739,7 @@
             <a:fld id="{4FF65F46-31A6-4323-8EED-DA6B9C8A0773}" type="datetimeFigureOut">
               <a:rPr lang="pt-BR" smtClean="0"/>
               <a:pPr/>
-              <a:t>03/10/2016</a:t>
+              <a:t>12/10/2016</a:t>
             </a:fld>
             <a:endParaRPr lang="pt-BR" dirty="0"/>
           </a:p>
@@ -906,7 +906,7 @@
             <a:fld id="{4FF65F46-31A6-4323-8EED-DA6B9C8A0773}" type="datetimeFigureOut">
               <a:rPr lang="pt-BR" smtClean="0"/>
               <a:pPr/>
-              <a:t>03/10/2016</a:t>
+              <a:t>12/10/2016</a:t>
             </a:fld>
             <a:endParaRPr lang="pt-BR" dirty="0"/>
           </a:p>
@@ -1192,7 +1192,7 @@
             <a:fld id="{4FF65F46-31A6-4323-8EED-DA6B9C8A0773}" type="datetimeFigureOut">
               <a:rPr lang="pt-BR" smtClean="0"/>
               <a:pPr/>
-              <a:t>03/10/2016</a:t>
+              <a:t>12/10/2016</a:t>
             </a:fld>
             <a:endParaRPr lang="pt-BR" dirty="0"/>
           </a:p>
@@ -1520,7 +1520,7 @@
             <a:fld id="{4FF65F46-31A6-4323-8EED-DA6B9C8A0773}" type="datetimeFigureOut">
               <a:rPr lang="pt-BR" smtClean="0"/>
               <a:pPr/>
-              <a:t>03/10/2016</a:t>
+              <a:t>12/10/2016</a:t>
             </a:fld>
             <a:endParaRPr lang="pt-BR" dirty="0"/>
           </a:p>
@@ -1947,7 +1947,7 @@
             <a:fld id="{4FF65F46-31A6-4323-8EED-DA6B9C8A0773}" type="datetimeFigureOut">
               <a:rPr lang="pt-BR" smtClean="0"/>
               <a:pPr/>
-              <a:t>03/10/2016</a:t>
+              <a:t>12/10/2016</a:t>
             </a:fld>
             <a:endParaRPr lang="pt-BR" dirty="0"/>
           </a:p>
@@ -2122,7 +2122,7 @@
             <a:fld id="{4FF65F46-31A6-4323-8EED-DA6B9C8A0773}" type="datetimeFigureOut">
               <a:rPr lang="pt-BR" smtClean="0"/>
               <a:pPr/>
-              <a:t>03/10/2016</a:t>
+              <a:t>12/10/2016</a:t>
             </a:fld>
             <a:endParaRPr lang="pt-BR" dirty="0"/>
           </a:p>
@@ -2214,7 +2214,7 @@
             <a:fld id="{4FF65F46-31A6-4323-8EED-DA6B9C8A0773}" type="datetimeFigureOut">
               <a:rPr lang="pt-BR" smtClean="0"/>
               <a:pPr/>
-              <a:t>03/10/2016</a:t>
+              <a:t>12/10/2016</a:t>
             </a:fld>
             <a:endParaRPr lang="pt-BR" dirty="0"/>
           </a:p>
@@ -2496,7 +2496,7 @@
             <a:fld id="{4FF65F46-31A6-4323-8EED-DA6B9C8A0773}" type="datetimeFigureOut">
               <a:rPr lang="pt-BR" smtClean="0"/>
               <a:pPr/>
-              <a:t>03/10/2016</a:t>
+              <a:t>12/10/2016</a:t>
             </a:fld>
             <a:endParaRPr lang="pt-BR" dirty="0"/>
           </a:p>
@@ -2797,7 +2797,7 @@
             <a:fld id="{4FF65F46-31A6-4323-8EED-DA6B9C8A0773}" type="datetimeFigureOut">
               <a:rPr lang="pt-BR" smtClean="0"/>
               <a:pPr/>
-              <a:t>03/10/2016</a:t>
+              <a:t>12/10/2016</a:t>
             </a:fld>
             <a:endParaRPr lang="pt-BR" dirty="0"/>
           </a:p>
@@ -3009,7 +3009,7 @@
             <a:fld id="{4FF65F46-31A6-4323-8EED-DA6B9C8A0773}" type="datetimeFigureOut">
               <a:rPr lang="pt-BR" smtClean="0"/>
               <a:pPr/>
-              <a:t>03/10/2016</a:t>
+              <a:t>12/10/2016</a:t>
             </a:fld>
             <a:endParaRPr lang="pt-BR" dirty="0"/>
           </a:p>
@@ -3555,104 +3555,6 @@
           <a:chExt cx="0" cy="0"/>
         </a:xfrm>
       </p:grpSpPr>
-      <p:sp>
-        <p:nvSpPr>
-          <p:cNvPr id="2" name="Título 1"/>
-          <p:cNvSpPr>
-            <a:spLocks noGrp="1"/>
-          </p:cNvSpPr>
-          <p:nvPr>
-            <p:ph type="ctrTitle"/>
-          </p:nvPr>
-        </p:nvSpPr>
-        <p:spPr>
-          <a:xfrm>
-            <a:off x="1331640" y="692696"/>
-            <a:ext cx="7406640" cy="1080120"/>
-          </a:xfrm>
-        </p:spPr>
-        <p:txBody>
-          <a:bodyPr>
-            <a:normAutofit fontScale="90000"/>
-          </a:bodyPr>
-          <a:lstStyle/>
-          <a:p>
-            <a:r>
-              <a:rPr lang="pt-BR" sz="6600" dirty="0" smtClean="0">
-                <a:solidFill>
-                  <a:schemeClr val="tx1"/>
-                </a:solidFill>
-              </a:rPr>
-              <a:t>Cadastro de Frotas </a:t>
-            </a:r>
-            <a:endParaRPr lang="pt-BR" sz="6600" dirty="0">
-              <a:solidFill>
-                <a:schemeClr val="tx1"/>
-              </a:solidFill>
-            </a:endParaRPr>
-          </a:p>
-        </p:txBody>
-      </p:sp>
-      <p:sp>
-        <p:nvSpPr>
-          <p:cNvPr id="3" name="Subtítulo 2"/>
-          <p:cNvSpPr>
-            <a:spLocks noGrp="1"/>
-          </p:cNvSpPr>
-          <p:nvPr>
-            <p:ph type="subTitle" idx="1"/>
-          </p:nvPr>
-        </p:nvSpPr>
-        <p:spPr>
-          <a:xfrm>
-            <a:off x="1285852" y="5000636"/>
-            <a:ext cx="7406640" cy="1224136"/>
-          </a:xfrm>
-        </p:spPr>
-        <p:txBody>
-          <a:bodyPr>
-            <a:noAutofit/>
-          </a:bodyPr>
-          <a:lstStyle/>
-          <a:p>
-            <a:r>
-              <a:rPr lang="pt-BR" sz="3200" dirty="0" smtClean="0">
-                <a:solidFill>
-                  <a:schemeClr val="tx1">
-                    <a:lumMod val="95000"/>
-                    <a:lumOff val="5000"/>
-                  </a:schemeClr>
-                </a:solidFill>
-                <a:latin typeface="Arial Rounded MT Bold" pitchFamily="34" charset="0"/>
-              </a:rPr>
-              <a:t>Vanessa Rodrigues De Godoy</a:t>
-            </a:r>
-          </a:p>
-          <a:p>
-            <a:r>
-              <a:rPr lang="pt-BR" sz="3200" dirty="0" smtClean="0">
-                <a:solidFill>
-                  <a:schemeClr val="tx1">
-                    <a:lumMod val="95000"/>
-                    <a:lumOff val="5000"/>
-                  </a:schemeClr>
-                </a:solidFill>
-                <a:latin typeface="Arial Rounded MT Bold" pitchFamily="34" charset="0"/>
-              </a:rPr>
-              <a:t>Lilian Fiori </a:t>
-            </a:r>
-            <a:endParaRPr lang="pt-BR" sz="3200" dirty="0">
-              <a:solidFill>
-                <a:schemeClr val="tx1">
-                  <a:lumMod val="95000"/>
-                  <a:lumOff val="5000"/>
-                </a:schemeClr>
-              </a:solidFill>
-              <a:latin typeface="Arial Rounded MT Bold" pitchFamily="34" charset="0"/>
-            </a:endParaRPr>
-          </a:p>
-        </p:txBody>
-      </p:sp>
       <p:pic>
         <p:nvPicPr>
           <p:cNvPr id="1026" name="Picture 2" descr="Resultado de imagem para desenho caminhão"/>
@@ -3665,7 +3567,7 @@
           <a:blip r:embed="rId2" cstate="print">
             <a:extLst>
               <a:ext uri="{28A0092B-C50C-407E-A947-70E740481C1C}">
-                <a14:useLocalDpi xmlns="" xmlns:a14="http://schemas.microsoft.com/office/drawing/2010/main" val="0"/>
+                <a14:useLocalDpi xmlns:a14="http://schemas.microsoft.com/office/drawing/2010/main" xmlns="" val="0"/>
               </a:ext>
             </a:extLst>
           </a:blip>
@@ -3676,16 +3578,25 @@
         </p:blipFill>
         <p:spPr bwMode="auto">
           <a:xfrm>
-            <a:off x="2555776" y="2204864"/>
+            <a:off x="2428860" y="2071678"/>
             <a:ext cx="4320480" cy="2808312"/>
           </a:xfrm>
           <a:prstGeom prst="rect">
             <a:avLst/>
           </a:prstGeom>
-          <a:noFill/>
+          <a:ln>
+            <a:noFill/>
+          </a:ln>
+          <a:effectLst>
+            <a:outerShdw blurRad="292100" dist="139700" dir="2700000" algn="tl" rotWithShape="0">
+              <a:srgbClr val="333333">
+                <a:alpha val="65000"/>
+              </a:srgbClr>
+            </a:outerShdw>
+          </a:effectLst>
           <a:extLst>
             <a:ext uri="{909E8E84-426E-40DD-AFC4-6F175D3DCCD1}">
-              <a14:hiddenFill xmlns="" xmlns:a14="http://schemas.microsoft.com/office/drawing/2010/main">
+              <a14:hiddenFill xmlns:a14="http://schemas.microsoft.com/office/drawing/2010/main" xmlns="">
                 <a:solidFill>
                   <a:srgbClr val="FFFFFF"/>
                 </a:solidFill>
@@ -3694,10 +3605,268 @@
           </a:extLst>
         </p:spPr>
       </p:pic>
+      <p:sp>
+        <p:nvSpPr>
+          <p:cNvPr id="2" name="Título 1"/>
+          <p:cNvSpPr>
+            <a:spLocks noGrp="1"/>
+          </p:cNvSpPr>
+          <p:nvPr>
+            <p:ph type="ctrTitle"/>
+          </p:nvPr>
+        </p:nvSpPr>
+        <p:spPr>
+          <a:xfrm>
+            <a:off x="2428860" y="571480"/>
+            <a:ext cx="4526244" cy="1080120"/>
+          </a:xfrm>
+          <a:effectLst>
+            <a:outerShdw blurRad="50800" dist="38100" dir="16200000" rotWithShape="0">
+              <a:prstClr val="black">
+                <a:alpha val="40000"/>
+              </a:prstClr>
+            </a:outerShdw>
+          </a:effectLst>
+        </p:spPr>
+        <p:txBody>
+          <a:bodyPr>
+            <a:normAutofit fontScale="90000"/>
+          </a:bodyPr>
+          <a:lstStyle/>
+          <a:p>
+            <a:r>
+              <a:rPr lang="pt-BR" sz="6600" b="1" dirty="0" smtClean="0">
+                <a:ln w="17780" cmpd="sng">
+                  <a:solidFill>
+                    <a:srgbClr val="FFFFFF"/>
+                  </a:solidFill>
+                  <a:prstDash val="solid"/>
+                  <a:miter lim="800000"/>
+                </a:ln>
+                <a:gradFill rotWithShape="1">
+                  <a:gsLst>
+                    <a:gs pos="0">
+                      <a:srgbClr val="000000">
+                        <a:tint val="92000"/>
+                        <a:shade val="100000"/>
+                        <a:satMod val="150000"/>
+                      </a:srgbClr>
+                    </a:gs>
+                    <a:gs pos="49000">
+                      <a:srgbClr val="000000">
+                        <a:tint val="89000"/>
+                        <a:shade val="90000"/>
+                        <a:satMod val="150000"/>
+                      </a:srgbClr>
+                    </a:gs>
+                    <a:gs pos="50000">
+                      <a:srgbClr val="000000">
+                        <a:tint val="100000"/>
+                        <a:shade val="75000"/>
+                        <a:satMod val="150000"/>
+                      </a:srgbClr>
+                    </a:gs>
+                    <a:gs pos="95000">
+                      <a:srgbClr val="000000">
+                        <a:shade val="47000"/>
+                        <a:satMod val="150000"/>
+                      </a:srgbClr>
+                    </a:gs>
+                    <a:gs pos="100000">
+                      <a:srgbClr val="000000">
+                        <a:shade val="39000"/>
+                        <a:satMod val="150000"/>
+                      </a:srgbClr>
+                    </a:gs>
+                  </a:gsLst>
+                  <a:lin ang="5400000"/>
+                </a:gradFill>
+                <a:effectLst>
+                  <a:outerShdw blurRad="50800" algn="tl" rotWithShape="0">
+                    <a:srgbClr val="000000"/>
+                  </a:outerShdw>
+                </a:effectLst>
+                <a:latin typeface="Cooper Black" pitchFamily="18" charset="0"/>
+              </a:rPr>
+              <a:t>VL  </a:t>
+            </a:r>
+            <a:r>
+              <a:rPr lang="pt-BR" sz="6600" b="1" dirty="0" smtClean="0">
+                <a:ln w="17780" cmpd="sng">
+                  <a:solidFill>
+                    <a:srgbClr val="FFFFFF"/>
+                  </a:solidFill>
+                  <a:prstDash val="solid"/>
+                  <a:miter lim="800000"/>
+                </a:ln>
+                <a:gradFill rotWithShape="1">
+                  <a:gsLst>
+                    <a:gs pos="0">
+                      <a:srgbClr val="000000">
+                        <a:tint val="92000"/>
+                        <a:shade val="100000"/>
+                        <a:satMod val="150000"/>
+                      </a:srgbClr>
+                    </a:gs>
+                    <a:gs pos="49000">
+                      <a:srgbClr val="000000">
+                        <a:tint val="89000"/>
+                        <a:shade val="90000"/>
+                        <a:satMod val="150000"/>
+                      </a:srgbClr>
+                    </a:gs>
+                    <a:gs pos="50000">
+                      <a:srgbClr val="000000">
+                        <a:tint val="100000"/>
+                        <a:shade val="75000"/>
+                        <a:satMod val="150000"/>
+                      </a:srgbClr>
+                    </a:gs>
+                    <a:gs pos="95000">
+                      <a:srgbClr val="000000">
+                        <a:shade val="47000"/>
+                        <a:satMod val="150000"/>
+                      </a:srgbClr>
+                    </a:gs>
+                    <a:gs pos="100000">
+                      <a:srgbClr val="000000">
+                        <a:shade val="39000"/>
+                        <a:satMod val="150000"/>
+                      </a:srgbClr>
+                    </a:gs>
+                  </a:gsLst>
+                  <a:lin ang="5400000"/>
+                </a:gradFill>
+                <a:effectLst>
+                  <a:outerShdw blurRad="50800" algn="tl" rotWithShape="0">
+                    <a:srgbClr val="000000"/>
+                  </a:outerShdw>
+                </a:effectLst>
+                <a:latin typeface="Cooper Black" pitchFamily="18" charset="0"/>
+              </a:rPr>
+              <a:t>Frotas </a:t>
+            </a:r>
+            <a:endParaRPr lang="pt-BR" sz="6600" b="1" dirty="0">
+              <a:ln w="17780" cmpd="sng">
+                <a:solidFill>
+                  <a:srgbClr val="FFFFFF"/>
+                </a:solidFill>
+                <a:prstDash val="solid"/>
+                <a:miter lim="800000"/>
+              </a:ln>
+              <a:gradFill rotWithShape="1">
+                <a:gsLst>
+                  <a:gs pos="0">
+                    <a:srgbClr val="000000">
+                      <a:tint val="92000"/>
+                      <a:shade val="100000"/>
+                      <a:satMod val="150000"/>
+                    </a:srgbClr>
+                  </a:gs>
+                  <a:gs pos="49000">
+                    <a:srgbClr val="000000">
+                      <a:tint val="89000"/>
+                      <a:shade val="90000"/>
+                      <a:satMod val="150000"/>
+                    </a:srgbClr>
+                  </a:gs>
+                  <a:gs pos="50000">
+                    <a:srgbClr val="000000">
+                      <a:tint val="100000"/>
+                      <a:shade val="75000"/>
+                      <a:satMod val="150000"/>
+                    </a:srgbClr>
+                  </a:gs>
+                  <a:gs pos="95000">
+                    <a:srgbClr val="000000">
+                      <a:shade val="47000"/>
+                      <a:satMod val="150000"/>
+                    </a:srgbClr>
+                  </a:gs>
+                  <a:gs pos="100000">
+                    <a:srgbClr val="000000">
+                      <a:shade val="39000"/>
+                      <a:satMod val="150000"/>
+                    </a:srgbClr>
+                  </a:gs>
+                </a:gsLst>
+                <a:lin ang="5400000"/>
+              </a:gradFill>
+              <a:effectLst>
+                <a:outerShdw blurRad="50800" algn="tl" rotWithShape="0">
+                  <a:srgbClr val="000000"/>
+                </a:outerShdw>
+              </a:effectLst>
+              <a:latin typeface="Cooper Black" pitchFamily="18" charset="0"/>
+            </a:endParaRPr>
+          </a:p>
+        </p:txBody>
+      </p:sp>
+      <p:sp>
+        <p:nvSpPr>
+          <p:cNvPr id="3" name="Subtítulo 2"/>
+          <p:cNvSpPr>
+            <a:spLocks noGrp="1"/>
+          </p:cNvSpPr>
+          <p:nvPr>
+            <p:ph type="subTitle" idx="1"/>
+          </p:nvPr>
+        </p:nvSpPr>
+        <p:spPr>
+          <a:xfrm>
+            <a:off x="1285852" y="5000636"/>
+            <a:ext cx="7406640" cy="1224136"/>
+          </a:xfrm>
+          <a:effectLst>
+            <a:outerShdw blurRad="50800" dist="38100" dir="18900000" algn="bl" rotWithShape="0">
+              <a:prstClr val="black">
+                <a:alpha val="40000"/>
+              </a:prstClr>
+            </a:outerShdw>
+          </a:effectLst>
+        </p:spPr>
+        <p:txBody>
+          <a:bodyPr>
+            <a:noAutofit/>
+          </a:bodyPr>
+          <a:lstStyle/>
+          <a:p>
+            <a:r>
+              <a:rPr lang="pt-BR" sz="3200" dirty="0" smtClean="0">
+                <a:solidFill>
+                  <a:schemeClr val="tx1"/>
+                </a:solidFill>
+                <a:latin typeface="Aharoni" pitchFamily="2" charset="-79"/>
+                <a:cs typeface="Aharoni" pitchFamily="2" charset="-79"/>
+              </a:rPr>
+              <a:t>Vanessa Rodrigues De Godoy</a:t>
+            </a:r>
+          </a:p>
+          <a:p>
+            <a:r>
+              <a:rPr lang="pt-BR" sz="3200" dirty="0" smtClean="0">
+                <a:solidFill>
+                  <a:schemeClr val="tx1"/>
+                </a:solidFill>
+                <a:latin typeface="Aharoni" pitchFamily="2" charset="-79"/>
+                <a:cs typeface="Aharoni" pitchFamily="2" charset="-79"/>
+              </a:rPr>
+              <a:t>Lilian Fiori </a:t>
+            </a:r>
+            <a:endParaRPr lang="pt-BR" sz="3200" dirty="0">
+              <a:solidFill>
+                <a:schemeClr val="tx1"/>
+              </a:solidFill>
+              <a:latin typeface="Aharoni" pitchFamily="2" charset="-79"/>
+              <a:cs typeface="Aharoni" pitchFamily="2" charset="-79"/>
+            </a:endParaRPr>
+          </a:p>
+        </p:txBody>
+      </p:sp>
     </p:spTree>
     <p:extLst>
       <p:ext uri="{BB962C8B-B14F-4D97-AF65-F5344CB8AC3E}">
-        <p14:creationId xmlns="" xmlns:p14="http://schemas.microsoft.com/office/powerpoint/2010/main" val="1820253863"/>
+        <p14:creationId xmlns:p14="http://schemas.microsoft.com/office/powerpoint/2010/main" xmlns="" val="1820253863"/>
       </p:ext>
     </p:extLst>
   </p:cSld>
@@ -3743,7 +3912,7 @@
           <a:blip r:embed="rId2">
             <a:extLst>
               <a:ext uri="{28A0092B-C50C-407E-A947-70E740481C1C}">
-                <a14:useLocalDpi xmlns="" xmlns:a14="http://schemas.microsoft.com/office/drawing/2010/main" val="0"/>
+                <a14:useLocalDpi xmlns:a14="http://schemas.microsoft.com/office/drawing/2010/main" xmlns="" val="0"/>
               </a:ext>
             </a:extLst>
           </a:blip>
@@ -3753,18 +3922,151 @@
         </p:blipFill>
         <p:spPr>
           <a:xfrm>
-            <a:off x="0" y="0"/>
-            <a:ext cx="9144000" cy="6858000"/>
+            <a:off x="785786" y="785794"/>
+            <a:ext cx="7643866" cy="5143536"/>
           </a:xfrm>
           <a:prstGeom prst="rect">
             <a:avLst/>
           </a:prstGeom>
         </p:spPr>
       </p:pic>
+      <p:sp>
+        <p:nvSpPr>
+          <p:cNvPr id="3" name="Retângulo 2"/>
+          <p:cNvSpPr/>
+          <p:nvPr/>
+        </p:nvSpPr>
+        <p:spPr>
+          <a:xfrm>
+            <a:off x="785786" y="6215082"/>
+            <a:ext cx="1709571" cy="461665"/>
+          </a:xfrm>
+          <a:prstGeom prst="rect">
+            <a:avLst/>
+          </a:prstGeom>
+        </p:spPr>
+        <p:txBody>
+          <a:bodyPr wrap="none">
+            <a:spAutoFit/>
+          </a:bodyPr>
+          <a:lstStyle/>
+          <a:p>
+            <a:r>
+              <a:rPr lang="pt-BR" sz="2400" b="1" dirty="0" smtClean="0">
+                <a:ln w="17780" cmpd="sng">
+                  <a:solidFill>
+                    <a:srgbClr val="FFFFFF"/>
+                  </a:solidFill>
+                  <a:prstDash val="solid"/>
+                  <a:miter lim="800000"/>
+                </a:ln>
+                <a:gradFill rotWithShape="1">
+                  <a:gsLst>
+                    <a:gs pos="0">
+                      <a:srgbClr val="000000">
+                        <a:tint val="92000"/>
+                        <a:shade val="100000"/>
+                        <a:satMod val="150000"/>
+                      </a:srgbClr>
+                    </a:gs>
+                    <a:gs pos="49000">
+                      <a:srgbClr val="000000">
+                        <a:tint val="89000"/>
+                        <a:shade val="90000"/>
+                        <a:satMod val="150000"/>
+                      </a:srgbClr>
+                    </a:gs>
+                    <a:gs pos="50000">
+                      <a:srgbClr val="000000">
+                        <a:tint val="100000"/>
+                        <a:shade val="75000"/>
+                        <a:satMod val="150000"/>
+                      </a:srgbClr>
+                    </a:gs>
+                    <a:gs pos="95000">
+                      <a:srgbClr val="000000">
+                        <a:shade val="47000"/>
+                        <a:satMod val="150000"/>
+                      </a:srgbClr>
+                    </a:gs>
+                    <a:gs pos="100000">
+                      <a:srgbClr val="000000">
+                        <a:shade val="39000"/>
+                        <a:satMod val="150000"/>
+                      </a:srgbClr>
+                    </a:gs>
+                  </a:gsLst>
+                  <a:lin ang="5400000"/>
+                </a:gradFill>
+                <a:effectLst>
+                  <a:outerShdw blurRad="50800" algn="tl" rotWithShape="0">
+                    <a:srgbClr val="000000"/>
+                  </a:outerShdw>
+                </a:effectLst>
+                <a:latin typeface="Cooper Black" pitchFamily="18" charset="0"/>
+              </a:rPr>
+              <a:t>VL Frotas</a:t>
+            </a:r>
+            <a:endParaRPr lang="pt-BR" sz="2400" b="1" dirty="0">
+              <a:ln w="17780" cmpd="sng">
+                <a:solidFill>
+                  <a:srgbClr val="FFFFFF"/>
+                </a:solidFill>
+                <a:prstDash val="solid"/>
+                <a:miter lim="800000"/>
+              </a:ln>
+              <a:gradFill rotWithShape="1">
+                <a:gsLst>
+                  <a:gs pos="0">
+                    <a:srgbClr val="000000">
+                      <a:tint val="92000"/>
+                      <a:shade val="100000"/>
+                      <a:satMod val="150000"/>
+                    </a:srgbClr>
+                  </a:gs>
+                  <a:gs pos="49000">
+                    <a:srgbClr val="000000">
+                      <a:tint val="89000"/>
+                      <a:shade val="90000"/>
+                      <a:satMod val="150000"/>
+                    </a:srgbClr>
+                  </a:gs>
+                  <a:gs pos="50000">
+                    <a:srgbClr val="000000">
+                      <a:tint val="100000"/>
+                      <a:shade val="75000"/>
+                      <a:satMod val="150000"/>
+                    </a:srgbClr>
+                  </a:gs>
+                  <a:gs pos="95000">
+                    <a:srgbClr val="000000">
+                      <a:shade val="47000"/>
+                      <a:satMod val="150000"/>
+                    </a:srgbClr>
+                  </a:gs>
+                  <a:gs pos="100000">
+                    <a:srgbClr val="000000">
+                      <a:shade val="39000"/>
+                      <a:satMod val="150000"/>
+                    </a:srgbClr>
+                  </a:gs>
+                </a:gsLst>
+                <a:lin ang="5400000"/>
+              </a:gradFill>
+              <a:effectLst>
+                <a:outerShdw blurRad="50800" algn="tl" rotWithShape="0">
+                  <a:srgbClr val="000000"/>
+                </a:outerShdw>
+              </a:effectLst>
+              <a:latin typeface="Cooper Black" pitchFamily="18" charset="0"/>
+            </a:endParaRPr>
+          </a:p>
+        </p:txBody>
+      </p:sp>
     </p:spTree>
     <p:extLst>
       <p:ext uri="{BB962C8B-B14F-4D97-AF65-F5344CB8AC3E}">
-        <p14:creationId xmlns="" xmlns:p14="http://schemas.microsoft.com/office/powerpoint/2010/main" val="4276782957"/>
+        <p14:creationId xmlns:p14="http://schemas.microsoft.com/office/powerpoint/2010/main" xmlns="" val="4276782957"/>
       </p:ext>
     </p:extLst>
   </p:cSld>
@@ -3954,12 +4256,153 @@
           <a:prstGeom prst="rect">
             <a:avLst/>
           </a:prstGeom>
+          <a:ln>
+            <a:noFill/>
+          </a:ln>
+          <a:effectLst>
+            <a:reflection blurRad="6350" stA="50000" endA="300" endPos="55000" dir="5400000" sy="-100000" algn="bl" rotWithShape="0"/>
+            <a:softEdge rad="112500"/>
+          </a:effectLst>
         </p:spPr>
       </p:pic>
+      <p:sp>
+        <p:nvSpPr>
+          <p:cNvPr id="6" name="CaixaDeTexto 5"/>
+          <p:cNvSpPr txBox="1"/>
+          <p:nvPr/>
+        </p:nvSpPr>
+        <p:spPr>
+          <a:xfrm>
+            <a:off x="714348" y="6143644"/>
+            <a:ext cx="2143140" cy="461665"/>
+          </a:xfrm>
+          <a:prstGeom prst="rect">
+            <a:avLst/>
+          </a:prstGeom>
+          <a:noFill/>
+        </p:spPr>
+        <p:txBody>
+          <a:bodyPr wrap="square" rtlCol="0">
+            <a:spAutoFit/>
+          </a:bodyPr>
+          <a:lstStyle/>
+          <a:p>
+            <a:r>
+              <a:rPr lang="pt-BR" sz="2400" b="1" dirty="0" smtClean="0">
+                <a:ln w="17780" cmpd="sng">
+                  <a:solidFill>
+                    <a:srgbClr val="FFFFFF"/>
+                  </a:solidFill>
+                  <a:prstDash val="solid"/>
+                  <a:miter lim="800000"/>
+                </a:ln>
+                <a:gradFill rotWithShape="1">
+                  <a:gsLst>
+                    <a:gs pos="0">
+                      <a:srgbClr val="000000">
+                        <a:tint val="92000"/>
+                        <a:shade val="100000"/>
+                        <a:satMod val="150000"/>
+                      </a:srgbClr>
+                    </a:gs>
+                    <a:gs pos="49000">
+                      <a:srgbClr val="000000">
+                        <a:tint val="89000"/>
+                        <a:shade val="90000"/>
+                        <a:satMod val="150000"/>
+                      </a:srgbClr>
+                    </a:gs>
+                    <a:gs pos="50000">
+                      <a:srgbClr val="000000">
+                        <a:tint val="100000"/>
+                        <a:shade val="75000"/>
+                        <a:satMod val="150000"/>
+                      </a:srgbClr>
+                    </a:gs>
+                    <a:gs pos="95000">
+                      <a:srgbClr val="000000">
+                        <a:shade val="47000"/>
+                        <a:satMod val="150000"/>
+                      </a:srgbClr>
+                    </a:gs>
+                    <a:gs pos="100000">
+                      <a:srgbClr val="000000">
+                        <a:shade val="39000"/>
+                        <a:satMod val="150000"/>
+                      </a:srgbClr>
+                    </a:gs>
+                  </a:gsLst>
+                  <a:lin ang="5400000"/>
+                </a:gradFill>
+                <a:effectLst>
+                  <a:outerShdw blurRad="50800" algn="tl" rotWithShape="0">
+                    <a:srgbClr val="000000"/>
+                  </a:outerShdw>
+                </a:effectLst>
+                <a:latin typeface="Cooper Black" pitchFamily="18" charset="0"/>
+              </a:rPr>
+              <a:t>VL Frotas</a:t>
+            </a:r>
+            <a:endParaRPr lang="pt-BR" sz="2400" b="1" dirty="0">
+              <a:ln w="17780" cmpd="sng">
+                <a:solidFill>
+                  <a:srgbClr val="FFFFFF"/>
+                </a:solidFill>
+                <a:prstDash val="solid"/>
+                <a:miter lim="800000"/>
+              </a:ln>
+              <a:gradFill rotWithShape="1">
+                <a:gsLst>
+                  <a:gs pos="0">
+                    <a:srgbClr val="000000">
+                      <a:tint val="92000"/>
+                      <a:shade val="100000"/>
+                      <a:satMod val="150000"/>
+                    </a:srgbClr>
+                  </a:gs>
+                  <a:gs pos="49000">
+                    <a:srgbClr val="000000">
+                      <a:tint val="89000"/>
+                      <a:shade val="90000"/>
+                      <a:satMod val="150000"/>
+                    </a:srgbClr>
+                  </a:gs>
+                  <a:gs pos="50000">
+                    <a:srgbClr val="000000">
+                      <a:tint val="100000"/>
+                      <a:shade val="75000"/>
+                      <a:satMod val="150000"/>
+                    </a:srgbClr>
+                  </a:gs>
+                  <a:gs pos="95000">
+                    <a:srgbClr val="000000">
+                      <a:shade val="47000"/>
+                      <a:satMod val="150000"/>
+                    </a:srgbClr>
+                  </a:gs>
+                  <a:gs pos="100000">
+                    <a:srgbClr val="000000">
+                      <a:shade val="39000"/>
+                      <a:satMod val="150000"/>
+                    </a:srgbClr>
+                  </a:gs>
+                </a:gsLst>
+                <a:lin ang="5400000"/>
+              </a:gradFill>
+              <a:effectLst>
+                <a:outerShdw blurRad="50800" algn="tl" rotWithShape="0">
+                  <a:srgbClr val="000000"/>
+                </a:outerShdw>
+              </a:effectLst>
+              <a:latin typeface="Cooper Black" pitchFamily="18" charset="0"/>
+            </a:endParaRPr>
+          </a:p>
+        </p:txBody>
+      </p:sp>
     </p:spTree>
     <p:extLst>
       <p:ext uri="{BB962C8B-B14F-4D97-AF65-F5344CB8AC3E}">
-        <p14:creationId xmlns="" xmlns:p14="http://schemas.microsoft.com/office/powerpoint/2010/main" val="2549202381"/>
+        <p14:creationId xmlns:p14="http://schemas.microsoft.com/office/powerpoint/2010/main" xmlns="" val="2549202381"/>
       </p:ext>
     </p:extLst>
   </p:cSld>
@@ -4016,7 +4459,13 @@
           <a:prstGeom prst="rect">
             <a:avLst/>
           </a:prstGeom>
-          <a:noFill/>
+          <a:ln>
+            <a:noFill/>
+          </a:ln>
+          <a:effectLst>
+            <a:reflection blurRad="6350" stA="52000" endA="300" endPos="35000" dir="5400000" sy="-100000" algn="bl" rotWithShape="0"/>
+            <a:softEdge rad="112500"/>
+          </a:effectLst>
         </p:spPr>
       </p:pic>
       <p:sp>
@@ -4175,10 +4624,143 @@
           </a:p>
         </p:txBody>
       </p:sp>
+      <p:sp>
+        <p:nvSpPr>
+          <p:cNvPr id="8" name="Retângulo 7"/>
+          <p:cNvSpPr/>
+          <p:nvPr/>
+        </p:nvSpPr>
+        <p:spPr>
+          <a:xfrm>
+            <a:off x="785786" y="6143644"/>
+            <a:ext cx="1709571" cy="461665"/>
+          </a:xfrm>
+          <a:prstGeom prst="rect">
+            <a:avLst/>
+          </a:prstGeom>
+        </p:spPr>
+        <p:txBody>
+          <a:bodyPr wrap="none">
+            <a:spAutoFit/>
+          </a:bodyPr>
+          <a:lstStyle/>
+          <a:p>
+            <a:r>
+              <a:rPr lang="pt-BR" sz="2400" b="1" dirty="0" smtClean="0">
+                <a:ln w="17780" cmpd="sng">
+                  <a:solidFill>
+                    <a:srgbClr val="FFFFFF"/>
+                  </a:solidFill>
+                  <a:prstDash val="solid"/>
+                  <a:miter lim="800000"/>
+                </a:ln>
+                <a:gradFill rotWithShape="1">
+                  <a:gsLst>
+                    <a:gs pos="0">
+                      <a:srgbClr val="000000">
+                        <a:tint val="92000"/>
+                        <a:shade val="100000"/>
+                        <a:satMod val="150000"/>
+                      </a:srgbClr>
+                    </a:gs>
+                    <a:gs pos="49000">
+                      <a:srgbClr val="000000">
+                        <a:tint val="89000"/>
+                        <a:shade val="90000"/>
+                        <a:satMod val="150000"/>
+                      </a:srgbClr>
+                    </a:gs>
+                    <a:gs pos="50000">
+                      <a:srgbClr val="000000">
+                        <a:tint val="100000"/>
+                        <a:shade val="75000"/>
+                        <a:satMod val="150000"/>
+                      </a:srgbClr>
+                    </a:gs>
+                    <a:gs pos="95000">
+                      <a:srgbClr val="000000">
+                        <a:shade val="47000"/>
+                        <a:satMod val="150000"/>
+                      </a:srgbClr>
+                    </a:gs>
+                    <a:gs pos="100000">
+                      <a:srgbClr val="000000">
+                        <a:shade val="39000"/>
+                        <a:satMod val="150000"/>
+                      </a:srgbClr>
+                    </a:gs>
+                  </a:gsLst>
+                  <a:lin ang="5400000"/>
+                </a:gradFill>
+                <a:effectLst>
+                  <a:outerShdw blurRad="50800" algn="tl" rotWithShape="0">
+                    <a:srgbClr val="000000"/>
+                  </a:outerShdw>
+                </a:effectLst>
+                <a:latin typeface="Cooper Black" pitchFamily="18" charset="0"/>
+              </a:rPr>
+              <a:t>VL Frotas</a:t>
+            </a:r>
+            <a:endParaRPr lang="pt-BR" sz="2400" b="1" dirty="0">
+              <a:ln w="17780" cmpd="sng">
+                <a:solidFill>
+                  <a:srgbClr val="FFFFFF"/>
+                </a:solidFill>
+                <a:prstDash val="solid"/>
+                <a:miter lim="800000"/>
+              </a:ln>
+              <a:gradFill rotWithShape="1">
+                <a:gsLst>
+                  <a:gs pos="0">
+                    <a:srgbClr val="000000">
+                      <a:tint val="92000"/>
+                      <a:shade val="100000"/>
+                      <a:satMod val="150000"/>
+                    </a:srgbClr>
+                  </a:gs>
+                  <a:gs pos="49000">
+                    <a:srgbClr val="000000">
+                      <a:tint val="89000"/>
+                      <a:shade val="90000"/>
+                      <a:satMod val="150000"/>
+                    </a:srgbClr>
+                  </a:gs>
+                  <a:gs pos="50000">
+                    <a:srgbClr val="000000">
+                      <a:tint val="100000"/>
+                      <a:shade val="75000"/>
+                      <a:satMod val="150000"/>
+                    </a:srgbClr>
+                  </a:gs>
+                  <a:gs pos="95000">
+                    <a:srgbClr val="000000">
+                      <a:shade val="47000"/>
+                      <a:satMod val="150000"/>
+                    </a:srgbClr>
+                  </a:gs>
+                  <a:gs pos="100000">
+                    <a:srgbClr val="000000">
+                      <a:shade val="39000"/>
+                      <a:satMod val="150000"/>
+                    </a:srgbClr>
+                  </a:gs>
+                </a:gsLst>
+                <a:lin ang="5400000"/>
+              </a:gradFill>
+              <a:effectLst>
+                <a:outerShdw blurRad="50800" algn="tl" rotWithShape="0">
+                  <a:srgbClr val="000000"/>
+                </a:outerShdw>
+              </a:effectLst>
+              <a:latin typeface="Cooper Black" pitchFamily="18" charset="0"/>
+            </a:endParaRPr>
+          </a:p>
+        </p:txBody>
+      </p:sp>
     </p:spTree>
     <p:extLst>
       <p:ext uri="{BB962C8B-B14F-4D97-AF65-F5344CB8AC3E}">
-        <p14:creationId xmlns="" xmlns:p14="http://schemas.microsoft.com/office/powerpoint/2010/main" val="1046120593"/>
+        <p14:creationId xmlns:p14="http://schemas.microsoft.com/office/powerpoint/2010/main" xmlns="" val="1046120593"/>
       </p:ext>
     </p:extLst>
   </p:cSld>
@@ -4300,20 +4882,149 @@
             </a:pPr>
             <a:r>
               <a:rPr lang="pt-BR" sz="3200" dirty="0" smtClean="0"/>
-              <a:t>Empresas </a:t>
-            </a:r>
-            <a:r>
-              <a:rPr lang="pt-BR" sz="3200" dirty="0" smtClean="0"/>
-              <a:t>de vendas.</a:t>
+              <a:t>Empresas de vendas.</a:t>
             </a:r>
             <a:endParaRPr lang="pt-BR" sz="3200" dirty="0"/>
+          </a:p>
+        </p:txBody>
+      </p:sp>
+      <p:sp>
+        <p:nvSpPr>
+          <p:cNvPr id="4" name="Retângulo 3"/>
+          <p:cNvSpPr/>
+          <p:nvPr/>
+        </p:nvSpPr>
+        <p:spPr>
+          <a:xfrm>
+            <a:off x="785786" y="6143644"/>
+            <a:ext cx="1709571" cy="461665"/>
+          </a:xfrm>
+          <a:prstGeom prst="rect">
+            <a:avLst/>
+          </a:prstGeom>
+        </p:spPr>
+        <p:txBody>
+          <a:bodyPr wrap="none">
+            <a:spAutoFit/>
+          </a:bodyPr>
+          <a:lstStyle/>
+          <a:p>
+            <a:r>
+              <a:rPr lang="pt-BR" sz="2400" b="1" dirty="0" smtClean="0">
+                <a:ln w="17780" cmpd="sng">
+                  <a:solidFill>
+                    <a:srgbClr val="FFFFFF"/>
+                  </a:solidFill>
+                  <a:prstDash val="solid"/>
+                  <a:miter lim="800000"/>
+                </a:ln>
+                <a:gradFill rotWithShape="1">
+                  <a:gsLst>
+                    <a:gs pos="0">
+                      <a:srgbClr val="000000">
+                        <a:tint val="92000"/>
+                        <a:shade val="100000"/>
+                        <a:satMod val="150000"/>
+                      </a:srgbClr>
+                    </a:gs>
+                    <a:gs pos="49000">
+                      <a:srgbClr val="000000">
+                        <a:tint val="89000"/>
+                        <a:shade val="90000"/>
+                        <a:satMod val="150000"/>
+                      </a:srgbClr>
+                    </a:gs>
+                    <a:gs pos="50000">
+                      <a:srgbClr val="000000">
+                        <a:tint val="100000"/>
+                        <a:shade val="75000"/>
+                        <a:satMod val="150000"/>
+                      </a:srgbClr>
+                    </a:gs>
+                    <a:gs pos="95000">
+                      <a:srgbClr val="000000">
+                        <a:shade val="47000"/>
+                        <a:satMod val="150000"/>
+                      </a:srgbClr>
+                    </a:gs>
+                    <a:gs pos="100000">
+                      <a:srgbClr val="000000">
+                        <a:shade val="39000"/>
+                        <a:satMod val="150000"/>
+                      </a:srgbClr>
+                    </a:gs>
+                  </a:gsLst>
+                  <a:lin ang="5400000"/>
+                </a:gradFill>
+                <a:effectLst>
+                  <a:outerShdw blurRad="50800" algn="tl" rotWithShape="0">
+                    <a:srgbClr val="000000"/>
+                  </a:outerShdw>
+                </a:effectLst>
+                <a:latin typeface="Cooper Black" pitchFamily="18" charset="0"/>
+              </a:rPr>
+              <a:t>VL Frotas</a:t>
+            </a:r>
+            <a:endParaRPr lang="pt-BR" sz="2400" b="1" dirty="0">
+              <a:ln w="17780" cmpd="sng">
+                <a:solidFill>
+                  <a:srgbClr val="FFFFFF"/>
+                </a:solidFill>
+                <a:prstDash val="solid"/>
+                <a:miter lim="800000"/>
+              </a:ln>
+              <a:gradFill rotWithShape="1">
+                <a:gsLst>
+                  <a:gs pos="0">
+                    <a:srgbClr val="000000">
+                      <a:tint val="92000"/>
+                      <a:shade val="100000"/>
+                      <a:satMod val="150000"/>
+                    </a:srgbClr>
+                  </a:gs>
+                  <a:gs pos="49000">
+                    <a:srgbClr val="000000">
+                      <a:tint val="89000"/>
+                      <a:shade val="90000"/>
+                      <a:satMod val="150000"/>
+                    </a:srgbClr>
+                  </a:gs>
+                  <a:gs pos="50000">
+                    <a:srgbClr val="000000">
+                      <a:tint val="100000"/>
+                      <a:shade val="75000"/>
+                      <a:satMod val="150000"/>
+                    </a:srgbClr>
+                  </a:gs>
+                  <a:gs pos="95000">
+                    <a:srgbClr val="000000">
+                      <a:shade val="47000"/>
+                      <a:satMod val="150000"/>
+                    </a:srgbClr>
+                  </a:gs>
+                  <a:gs pos="100000">
+                    <a:srgbClr val="000000">
+                      <a:shade val="39000"/>
+                      <a:satMod val="150000"/>
+                    </a:srgbClr>
+                  </a:gs>
+                </a:gsLst>
+                <a:lin ang="5400000"/>
+              </a:gradFill>
+              <a:effectLst>
+                <a:outerShdw blurRad="50800" algn="tl" rotWithShape="0">
+                  <a:srgbClr val="000000"/>
+                </a:outerShdw>
+              </a:effectLst>
+              <a:latin typeface="Cooper Black" pitchFamily="18" charset="0"/>
+            </a:endParaRPr>
           </a:p>
         </p:txBody>
       </p:sp>
     </p:spTree>
     <p:extLst>
       <p:ext uri="{BB962C8B-B14F-4D97-AF65-F5344CB8AC3E}">
-        <p14:creationId xmlns="" xmlns:p14="http://schemas.microsoft.com/office/powerpoint/2010/main" val="1557941365"/>
+        <p14:creationId xmlns:p14="http://schemas.microsoft.com/office/powerpoint/2010/main" xmlns="" val="1557941365"/>
       </p:ext>
     </p:extLst>
   </p:cSld>
@@ -4409,7 +5120,7 @@
           <a:blip r:embed="rId2">
             <a:extLst>
               <a:ext uri="{28A0092B-C50C-407E-A947-70E740481C1C}">
-                <a14:useLocalDpi xmlns="" xmlns:a14="http://schemas.microsoft.com/office/drawing/2010/main" val="0"/>
+                <a14:useLocalDpi xmlns:a14="http://schemas.microsoft.com/office/drawing/2010/main" xmlns="" val="0"/>
               </a:ext>
             </a:extLst>
           </a:blip>
@@ -4429,7 +5140,7 @@
           <a:noFill/>
           <a:extLst>
             <a:ext uri="{909E8E84-426E-40DD-AFC4-6F175D3DCCD1}">
-              <a14:hiddenFill xmlns="" xmlns:a14="http://schemas.microsoft.com/office/drawing/2010/main">
+              <a14:hiddenFill xmlns:a14="http://schemas.microsoft.com/office/drawing/2010/main" xmlns="">
                 <a:solidFill>
                   <a:srgbClr val="FFFFFF"/>
                 </a:solidFill>
@@ -4450,7 +5161,7 @@
           <a:blip r:embed="rId3">
             <a:extLst>
               <a:ext uri="{28A0092B-C50C-407E-A947-70E740481C1C}">
-                <a14:useLocalDpi xmlns="" xmlns:a14="http://schemas.microsoft.com/office/drawing/2010/main" val="0"/>
+                <a14:useLocalDpi xmlns:a14="http://schemas.microsoft.com/office/drawing/2010/main" xmlns="" val="0"/>
               </a:ext>
             </a:extLst>
           </a:blip>
@@ -4470,7 +5181,7 @@
           <a:noFill/>
           <a:extLst>
             <a:ext uri="{909E8E84-426E-40DD-AFC4-6F175D3DCCD1}">
-              <a14:hiddenFill xmlns="" xmlns:a14="http://schemas.microsoft.com/office/drawing/2010/main">
+              <a14:hiddenFill xmlns:a14="http://schemas.microsoft.com/office/drawing/2010/main" xmlns="">
                 <a:solidFill>
                   <a:srgbClr val="FFFFFF"/>
                 </a:solidFill>
@@ -4479,10 +5190,143 @@
           </a:extLst>
         </p:spPr>
       </p:pic>
+      <p:sp>
+        <p:nvSpPr>
+          <p:cNvPr id="5" name="Retângulo 4"/>
+          <p:cNvSpPr/>
+          <p:nvPr/>
+        </p:nvSpPr>
+        <p:spPr>
+          <a:xfrm>
+            <a:off x="785786" y="6215082"/>
+            <a:ext cx="1709571" cy="461665"/>
+          </a:xfrm>
+          <a:prstGeom prst="rect">
+            <a:avLst/>
+          </a:prstGeom>
+        </p:spPr>
+        <p:txBody>
+          <a:bodyPr wrap="none">
+            <a:spAutoFit/>
+          </a:bodyPr>
+          <a:lstStyle/>
+          <a:p>
+            <a:r>
+              <a:rPr lang="pt-BR" sz="2400" b="1" dirty="0" smtClean="0">
+                <a:ln w="17780" cmpd="sng">
+                  <a:solidFill>
+                    <a:srgbClr val="FFFFFF"/>
+                  </a:solidFill>
+                  <a:prstDash val="solid"/>
+                  <a:miter lim="800000"/>
+                </a:ln>
+                <a:gradFill rotWithShape="1">
+                  <a:gsLst>
+                    <a:gs pos="0">
+                      <a:srgbClr val="000000">
+                        <a:tint val="92000"/>
+                        <a:shade val="100000"/>
+                        <a:satMod val="150000"/>
+                      </a:srgbClr>
+                    </a:gs>
+                    <a:gs pos="49000">
+                      <a:srgbClr val="000000">
+                        <a:tint val="89000"/>
+                        <a:shade val="90000"/>
+                        <a:satMod val="150000"/>
+                      </a:srgbClr>
+                    </a:gs>
+                    <a:gs pos="50000">
+                      <a:srgbClr val="000000">
+                        <a:tint val="100000"/>
+                        <a:shade val="75000"/>
+                        <a:satMod val="150000"/>
+                      </a:srgbClr>
+                    </a:gs>
+                    <a:gs pos="95000">
+                      <a:srgbClr val="000000">
+                        <a:shade val="47000"/>
+                        <a:satMod val="150000"/>
+                      </a:srgbClr>
+                    </a:gs>
+                    <a:gs pos="100000">
+                      <a:srgbClr val="000000">
+                        <a:shade val="39000"/>
+                        <a:satMod val="150000"/>
+                      </a:srgbClr>
+                    </a:gs>
+                  </a:gsLst>
+                  <a:lin ang="5400000"/>
+                </a:gradFill>
+                <a:effectLst>
+                  <a:outerShdw blurRad="50800" algn="tl" rotWithShape="0">
+                    <a:srgbClr val="000000"/>
+                  </a:outerShdw>
+                </a:effectLst>
+                <a:latin typeface="Cooper Black" pitchFamily="18" charset="0"/>
+              </a:rPr>
+              <a:t>VL Frotas</a:t>
+            </a:r>
+            <a:endParaRPr lang="pt-BR" sz="2400" b="1" dirty="0">
+              <a:ln w="17780" cmpd="sng">
+                <a:solidFill>
+                  <a:srgbClr val="FFFFFF"/>
+                </a:solidFill>
+                <a:prstDash val="solid"/>
+                <a:miter lim="800000"/>
+              </a:ln>
+              <a:gradFill rotWithShape="1">
+                <a:gsLst>
+                  <a:gs pos="0">
+                    <a:srgbClr val="000000">
+                      <a:tint val="92000"/>
+                      <a:shade val="100000"/>
+                      <a:satMod val="150000"/>
+                    </a:srgbClr>
+                  </a:gs>
+                  <a:gs pos="49000">
+                    <a:srgbClr val="000000">
+                      <a:tint val="89000"/>
+                      <a:shade val="90000"/>
+                      <a:satMod val="150000"/>
+                    </a:srgbClr>
+                  </a:gs>
+                  <a:gs pos="50000">
+                    <a:srgbClr val="000000">
+                      <a:tint val="100000"/>
+                      <a:shade val="75000"/>
+                      <a:satMod val="150000"/>
+                    </a:srgbClr>
+                  </a:gs>
+                  <a:gs pos="95000">
+                    <a:srgbClr val="000000">
+                      <a:shade val="47000"/>
+                      <a:satMod val="150000"/>
+                    </a:srgbClr>
+                  </a:gs>
+                  <a:gs pos="100000">
+                    <a:srgbClr val="000000">
+                      <a:shade val="39000"/>
+                      <a:satMod val="150000"/>
+                    </a:srgbClr>
+                  </a:gs>
+                </a:gsLst>
+                <a:lin ang="5400000"/>
+              </a:gradFill>
+              <a:effectLst>
+                <a:outerShdw blurRad="50800" algn="tl" rotWithShape="0">
+                  <a:srgbClr val="000000"/>
+                </a:outerShdw>
+              </a:effectLst>
+              <a:latin typeface="Cooper Black" pitchFamily="18" charset="0"/>
+            </a:endParaRPr>
+          </a:p>
+        </p:txBody>
+      </p:sp>
     </p:spTree>
     <p:extLst>
       <p:ext uri="{BB962C8B-B14F-4D97-AF65-F5344CB8AC3E}">
-        <p14:creationId xmlns="" xmlns:p14="http://schemas.microsoft.com/office/powerpoint/2010/main" val="2244090272"/>
+        <p14:creationId xmlns:p14="http://schemas.microsoft.com/office/powerpoint/2010/main" xmlns="" val="2244090272"/>
       </p:ext>
     </p:extLst>
   </p:cSld>
@@ -4516,6 +5360,38 @@
           <a:chExt cx="0" cy="0"/>
         </a:xfrm>
       </p:grpSpPr>
+      <p:pic>
+        <p:nvPicPr>
+          <p:cNvPr id="6146" name="Picture 2" descr="Resultado de imagem para diferenciais"/>
+          <p:cNvPicPr>
+            <a:picLocks noChangeAspect="1" noChangeArrowheads="1"/>
+          </p:cNvPicPr>
+          <p:nvPr/>
+        </p:nvPicPr>
+        <p:blipFill>
+          <a:blip r:embed="rId2"/>
+          <a:srcRect/>
+          <a:stretch>
+            <a:fillRect/>
+          </a:stretch>
+        </p:blipFill>
+        <p:spPr bwMode="auto">
+          <a:xfrm rot="966994">
+            <a:off x="3033778" y="827753"/>
+            <a:ext cx="3643338" cy="1785950"/>
+          </a:xfrm>
+          <a:prstGeom prst="rect">
+            <a:avLst/>
+          </a:prstGeom>
+          <a:ln>
+            <a:noFill/>
+          </a:ln>
+          <a:effectLst>
+            <a:reflection blurRad="6350" stA="50000" endA="300" endPos="90000" dir="5400000" sy="-100000" algn="bl" rotWithShape="0"/>
+            <a:softEdge rad="112500"/>
+          </a:effectLst>
+        </p:spPr>
+      </p:pic>
       <p:sp>
         <p:nvSpPr>
           <p:cNvPr id="2" name="CaixaDeTexto 1"/>
@@ -4574,7 +5450,7 @@
         </p:nvSpPr>
         <p:spPr>
           <a:xfrm>
-            <a:off x="674051" y="1844824"/>
+            <a:off x="642910" y="2571744"/>
             <a:ext cx="7704856" cy="3046988"/>
           </a:xfrm>
           <a:prstGeom prst="rect">
@@ -4626,10 +5502,143 @@
           </a:p>
         </p:txBody>
       </p:sp>
+      <p:sp>
+        <p:nvSpPr>
+          <p:cNvPr id="4" name="Retângulo 3"/>
+          <p:cNvSpPr/>
+          <p:nvPr/>
+        </p:nvSpPr>
+        <p:spPr>
+          <a:xfrm>
+            <a:off x="785786" y="6215082"/>
+            <a:ext cx="1709571" cy="461665"/>
+          </a:xfrm>
+          <a:prstGeom prst="rect">
+            <a:avLst/>
+          </a:prstGeom>
+        </p:spPr>
+        <p:txBody>
+          <a:bodyPr wrap="none">
+            <a:spAutoFit/>
+          </a:bodyPr>
+          <a:lstStyle/>
+          <a:p>
+            <a:r>
+              <a:rPr lang="pt-BR" sz="2400" b="1" dirty="0" smtClean="0">
+                <a:ln w="17780" cmpd="sng">
+                  <a:solidFill>
+                    <a:srgbClr val="FFFFFF"/>
+                  </a:solidFill>
+                  <a:prstDash val="solid"/>
+                  <a:miter lim="800000"/>
+                </a:ln>
+                <a:gradFill rotWithShape="1">
+                  <a:gsLst>
+                    <a:gs pos="0">
+                      <a:srgbClr val="000000">
+                        <a:tint val="92000"/>
+                        <a:shade val="100000"/>
+                        <a:satMod val="150000"/>
+                      </a:srgbClr>
+                    </a:gs>
+                    <a:gs pos="49000">
+                      <a:srgbClr val="000000">
+                        <a:tint val="89000"/>
+                        <a:shade val="90000"/>
+                        <a:satMod val="150000"/>
+                      </a:srgbClr>
+                    </a:gs>
+                    <a:gs pos="50000">
+                      <a:srgbClr val="000000">
+                        <a:tint val="100000"/>
+                        <a:shade val="75000"/>
+                        <a:satMod val="150000"/>
+                      </a:srgbClr>
+                    </a:gs>
+                    <a:gs pos="95000">
+                      <a:srgbClr val="000000">
+                        <a:shade val="47000"/>
+                        <a:satMod val="150000"/>
+                      </a:srgbClr>
+                    </a:gs>
+                    <a:gs pos="100000">
+                      <a:srgbClr val="000000">
+                        <a:shade val="39000"/>
+                        <a:satMod val="150000"/>
+                      </a:srgbClr>
+                    </a:gs>
+                  </a:gsLst>
+                  <a:lin ang="5400000"/>
+                </a:gradFill>
+                <a:effectLst>
+                  <a:outerShdw blurRad="50800" algn="tl" rotWithShape="0">
+                    <a:srgbClr val="000000"/>
+                  </a:outerShdw>
+                </a:effectLst>
+                <a:latin typeface="Cooper Black" pitchFamily="18" charset="0"/>
+              </a:rPr>
+              <a:t>VL Frotas</a:t>
+            </a:r>
+            <a:endParaRPr lang="pt-BR" sz="2400" b="1" dirty="0">
+              <a:ln w="17780" cmpd="sng">
+                <a:solidFill>
+                  <a:srgbClr val="FFFFFF"/>
+                </a:solidFill>
+                <a:prstDash val="solid"/>
+                <a:miter lim="800000"/>
+              </a:ln>
+              <a:gradFill rotWithShape="1">
+                <a:gsLst>
+                  <a:gs pos="0">
+                    <a:srgbClr val="000000">
+                      <a:tint val="92000"/>
+                      <a:shade val="100000"/>
+                      <a:satMod val="150000"/>
+                    </a:srgbClr>
+                  </a:gs>
+                  <a:gs pos="49000">
+                    <a:srgbClr val="000000">
+                      <a:tint val="89000"/>
+                      <a:shade val="90000"/>
+                      <a:satMod val="150000"/>
+                    </a:srgbClr>
+                  </a:gs>
+                  <a:gs pos="50000">
+                    <a:srgbClr val="000000">
+                      <a:tint val="100000"/>
+                      <a:shade val="75000"/>
+                      <a:satMod val="150000"/>
+                    </a:srgbClr>
+                  </a:gs>
+                  <a:gs pos="95000">
+                    <a:srgbClr val="000000">
+                      <a:shade val="47000"/>
+                      <a:satMod val="150000"/>
+                    </a:srgbClr>
+                  </a:gs>
+                  <a:gs pos="100000">
+                    <a:srgbClr val="000000">
+                      <a:shade val="39000"/>
+                      <a:satMod val="150000"/>
+                    </a:srgbClr>
+                  </a:gs>
+                </a:gsLst>
+                <a:lin ang="5400000"/>
+              </a:gradFill>
+              <a:effectLst>
+                <a:outerShdw blurRad="50800" algn="tl" rotWithShape="0">
+                  <a:srgbClr val="000000"/>
+                </a:outerShdw>
+              </a:effectLst>
+              <a:latin typeface="Cooper Black" pitchFamily="18" charset="0"/>
+            </a:endParaRPr>
+          </a:p>
+        </p:txBody>
+      </p:sp>
     </p:spTree>
     <p:extLst>
       <p:ext uri="{BB962C8B-B14F-4D97-AF65-F5344CB8AC3E}">
-        <p14:creationId xmlns="" xmlns:p14="http://schemas.microsoft.com/office/powerpoint/2010/main" val="3182518312"/>
+        <p14:creationId xmlns:p14="http://schemas.microsoft.com/office/powerpoint/2010/main" xmlns="" val="3182518312"/>
       </p:ext>
     </p:extLst>
   </p:cSld>
@@ -4728,6 +5737,139 @@
               <a:t>O modelo de negócios vai ocorrer a partir da venda de licenças para usuários.  </a:t>
             </a:r>
             <a:endParaRPr lang="pt-BR" sz="3200" dirty="0"/>
+          </a:p>
+        </p:txBody>
+      </p:sp>
+      <p:sp>
+        <p:nvSpPr>
+          <p:cNvPr id="5" name="Retângulo 4"/>
+          <p:cNvSpPr/>
+          <p:nvPr/>
+        </p:nvSpPr>
+        <p:spPr>
+          <a:xfrm>
+            <a:off x="785786" y="6215082"/>
+            <a:ext cx="1709571" cy="461665"/>
+          </a:xfrm>
+          <a:prstGeom prst="rect">
+            <a:avLst/>
+          </a:prstGeom>
+        </p:spPr>
+        <p:txBody>
+          <a:bodyPr wrap="none">
+            <a:spAutoFit/>
+          </a:bodyPr>
+          <a:lstStyle/>
+          <a:p>
+            <a:r>
+              <a:rPr lang="pt-BR" sz="2400" b="1" dirty="0" smtClean="0">
+                <a:ln w="17780" cmpd="sng">
+                  <a:solidFill>
+                    <a:srgbClr val="FFFFFF"/>
+                  </a:solidFill>
+                  <a:prstDash val="solid"/>
+                  <a:miter lim="800000"/>
+                </a:ln>
+                <a:gradFill rotWithShape="1">
+                  <a:gsLst>
+                    <a:gs pos="0">
+                      <a:srgbClr val="000000">
+                        <a:tint val="92000"/>
+                        <a:shade val="100000"/>
+                        <a:satMod val="150000"/>
+                      </a:srgbClr>
+                    </a:gs>
+                    <a:gs pos="49000">
+                      <a:srgbClr val="000000">
+                        <a:tint val="89000"/>
+                        <a:shade val="90000"/>
+                        <a:satMod val="150000"/>
+                      </a:srgbClr>
+                    </a:gs>
+                    <a:gs pos="50000">
+                      <a:srgbClr val="000000">
+                        <a:tint val="100000"/>
+                        <a:shade val="75000"/>
+                        <a:satMod val="150000"/>
+                      </a:srgbClr>
+                    </a:gs>
+                    <a:gs pos="95000">
+                      <a:srgbClr val="000000">
+                        <a:shade val="47000"/>
+                        <a:satMod val="150000"/>
+                      </a:srgbClr>
+                    </a:gs>
+                    <a:gs pos="100000">
+                      <a:srgbClr val="000000">
+                        <a:shade val="39000"/>
+                        <a:satMod val="150000"/>
+                      </a:srgbClr>
+                    </a:gs>
+                  </a:gsLst>
+                  <a:lin ang="5400000"/>
+                </a:gradFill>
+                <a:effectLst>
+                  <a:outerShdw blurRad="50800" algn="tl" rotWithShape="0">
+                    <a:srgbClr val="000000"/>
+                  </a:outerShdw>
+                </a:effectLst>
+                <a:latin typeface="Cooper Black" pitchFamily="18" charset="0"/>
+              </a:rPr>
+              <a:t>VL Frotas</a:t>
+            </a:r>
+            <a:endParaRPr lang="pt-BR" sz="2400" b="1" dirty="0">
+              <a:ln w="17780" cmpd="sng">
+                <a:solidFill>
+                  <a:srgbClr val="FFFFFF"/>
+                </a:solidFill>
+                <a:prstDash val="solid"/>
+                <a:miter lim="800000"/>
+              </a:ln>
+              <a:gradFill rotWithShape="1">
+                <a:gsLst>
+                  <a:gs pos="0">
+                    <a:srgbClr val="000000">
+                      <a:tint val="92000"/>
+                      <a:shade val="100000"/>
+                      <a:satMod val="150000"/>
+                    </a:srgbClr>
+                  </a:gs>
+                  <a:gs pos="49000">
+                    <a:srgbClr val="000000">
+                      <a:tint val="89000"/>
+                      <a:shade val="90000"/>
+                      <a:satMod val="150000"/>
+                    </a:srgbClr>
+                  </a:gs>
+                  <a:gs pos="50000">
+                    <a:srgbClr val="000000">
+                      <a:tint val="100000"/>
+                      <a:shade val="75000"/>
+                      <a:satMod val="150000"/>
+                    </a:srgbClr>
+                  </a:gs>
+                  <a:gs pos="95000">
+                    <a:srgbClr val="000000">
+                      <a:shade val="47000"/>
+                      <a:satMod val="150000"/>
+                    </a:srgbClr>
+                  </a:gs>
+                  <a:gs pos="100000">
+                    <a:srgbClr val="000000">
+                      <a:shade val="39000"/>
+                      <a:satMod val="150000"/>
+                    </a:srgbClr>
+                  </a:gs>
+                </a:gsLst>
+                <a:lin ang="5400000"/>
+              </a:gradFill>
+              <a:effectLst>
+                <a:outerShdw blurRad="50800" algn="tl" rotWithShape="0">
+                  <a:srgbClr val="000000"/>
+                </a:outerShdw>
+              </a:effectLst>
+              <a:latin typeface="Cooper Black" pitchFamily="18" charset="0"/>
+            </a:endParaRPr>
           </a:p>
         </p:txBody>
       </p:sp>
@@ -4775,7 +5917,7 @@
           <a:blip r:embed="rId2">
             <a:extLst>
               <a:ext uri="{28A0092B-C50C-407E-A947-70E740481C1C}">
-                <a14:useLocalDpi xmlns="" xmlns:a14="http://schemas.microsoft.com/office/drawing/2010/main" val="0"/>
+                <a14:useLocalDpi xmlns:a14="http://schemas.microsoft.com/office/drawing/2010/main" xmlns="" val="0"/>
               </a:ext>
             </a:extLst>
           </a:blip>
@@ -4785,8 +5927,8 @@
         </p:blipFill>
         <p:spPr>
           <a:xfrm>
-            <a:off x="0" y="1142984"/>
-            <a:ext cx="9144000" cy="5715016"/>
+            <a:off x="571472" y="1142984"/>
+            <a:ext cx="7929618" cy="4929222"/>
           </a:xfrm>
           <a:prstGeom prst="rect">
             <a:avLst/>
@@ -4843,10 +5985,143 @@
           </a:p>
         </p:txBody>
       </p:sp>
+      <p:sp>
+        <p:nvSpPr>
+          <p:cNvPr id="4" name="Retângulo 3"/>
+          <p:cNvSpPr/>
+          <p:nvPr/>
+        </p:nvSpPr>
+        <p:spPr>
+          <a:xfrm>
+            <a:off x="714348" y="6215082"/>
+            <a:ext cx="1709571" cy="461665"/>
+          </a:xfrm>
+          <a:prstGeom prst="rect">
+            <a:avLst/>
+          </a:prstGeom>
+        </p:spPr>
+        <p:txBody>
+          <a:bodyPr wrap="none">
+            <a:spAutoFit/>
+          </a:bodyPr>
+          <a:lstStyle/>
+          <a:p>
+            <a:r>
+              <a:rPr lang="pt-BR" sz="2400" b="1" dirty="0" smtClean="0">
+                <a:ln w="17780" cmpd="sng">
+                  <a:solidFill>
+                    <a:srgbClr val="FFFFFF"/>
+                  </a:solidFill>
+                  <a:prstDash val="solid"/>
+                  <a:miter lim="800000"/>
+                </a:ln>
+                <a:gradFill rotWithShape="1">
+                  <a:gsLst>
+                    <a:gs pos="0">
+                      <a:srgbClr val="000000">
+                        <a:tint val="92000"/>
+                        <a:shade val="100000"/>
+                        <a:satMod val="150000"/>
+                      </a:srgbClr>
+                    </a:gs>
+                    <a:gs pos="49000">
+                      <a:srgbClr val="000000">
+                        <a:tint val="89000"/>
+                        <a:shade val="90000"/>
+                        <a:satMod val="150000"/>
+                      </a:srgbClr>
+                    </a:gs>
+                    <a:gs pos="50000">
+                      <a:srgbClr val="000000">
+                        <a:tint val="100000"/>
+                        <a:shade val="75000"/>
+                        <a:satMod val="150000"/>
+                      </a:srgbClr>
+                    </a:gs>
+                    <a:gs pos="95000">
+                      <a:srgbClr val="000000">
+                        <a:shade val="47000"/>
+                        <a:satMod val="150000"/>
+                      </a:srgbClr>
+                    </a:gs>
+                    <a:gs pos="100000">
+                      <a:srgbClr val="000000">
+                        <a:shade val="39000"/>
+                        <a:satMod val="150000"/>
+                      </a:srgbClr>
+                    </a:gs>
+                  </a:gsLst>
+                  <a:lin ang="5400000"/>
+                </a:gradFill>
+                <a:effectLst>
+                  <a:outerShdw blurRad="50800" algn="tl" rotWithShape="0">
+                    <a:srgbClr val="000000"/>
+                  </a:outerShdw>
+                </a:effectLst>
+                <a:latin typeface="Cooper Black" pitchFamily="18" charset="0"/>
+              </a:rPr>
+              <a:t>VL Frotas</a:t>
+            </a:r>
+            <a:endParaRPr lang="pt-BR" sz="2400" b="1" dirty="0">
+              <a:ln w="17780" cmpd="sng">
+                <a:solidFill>
+                  <a:srgbClr val="FFFFFF"/>
+                </a:solidFill>
+                <a:prstDash val="solid"/>
+                <a:miter lim="800000"/>
+              </a:ln>
+              <a:gradFill rotWithShape="1">
+                <a:gsLst>
+                  <a:gs pos="0">
+                    <a:srgbClr val="000000">
+                      <a:tint val="92000"/>
+                      <a:shade val="100000"/>
+                      <a:satMod val="150000"/>
+                    </a:srgbClr>
+                  </a:gs>
+                  <a:gs pos="49000">
+                    <a:srgbClr val="000000">
+                      <a:tint val="89000"/>
+                      <a:shade val="90000"/>
+                      <a:satMod val="150000"/>
+                    </a:srgbClr>
+                  </a:gs>
+                  <a:gs pos="50000">
+                    <a:srgbClr val="000000">
+                      <a:tint val="100000"/>
+                      <a:shade val="75000"/>
+                      <a:satMod val="150000"/>
+                    </a:srgbClr>
+                  </a:gs>
+                  <a:gs pos="95000">
+                    <a:srgbClr val="000000">
+                      <a:shade val="47000"/>
+                      <a:satMod val="150000"/>
+                    </a:srgbClr>
+                  </a:gs>
+                  <a:gs pos="100000">
+                    <a:srgbClr val="000000">
+                      <a:shade val="39000"/>
+                      <a:satMod val="150000"/>
+                    </a:srgbClr>
+                  </a:gs>
+                </a:gsLst>
+                <a:lin ang="5400000"/>
+              </a:gradFill>
+              <a:effectLst>
+                <a:outerShdw blurRad="50800" algn="tl" rotWithShape="0">
+                  <a:srgbClr val="000000"/>
+                </a:outerShdw>
+              </a:effectLst>
+              <a:latin typeface="Cooper Black" pitchFamily="18" charset="0"/>
+            </a:endParaRPr>
+          </a:p>
+        </p:txBody>
+      </p:sp>
     </p:spTree>
     <p:extLst>
       <p:ext uri="{BB962C8B-B14F-4D97-AF65-F5344CB8AC3E}">
-        <p14:creationId xmlns="" xmlns:p14="http://schemas.microsoft.com/office/powerpoint/2010/main" val="2751794855"/>
+        <p14:creationId xmlns:p14="http://schemas.microsoft.com/office/powerpoint/2010/main" xmlns="" val="2751794855"/>
       </p:ext>
     </p:extLst>
   </p:cSld>
@@ -4892,7 +6167,7 @@
           <a:blip r:embed="rId2">
             <a:extLst>
               <a:ext uri="{28A0092B-C50C-407E-A947-70E740481C1C}">
-                <a14:useLocalDpi xmlns="" xmlns:a14="http://schemas.microsoft.com/office/drawing/2010/main" val="0"/>
+                <a14:useLocalDpi xmlns:a14="http://schemas.microsoft.com/office/drawing/2010/main" xmlns="" val="0"/>
               </a:ext>
             </a:extLst>
           </a:blip>
@@ -4902,18 +6177,151 @@
         </p:blipFill>
         <p:spPr>
           <a:xfrm>
-            <a:off x="0" y="0"/>
-            <a:ext cx="9144000" cy="6857999"/>
+            <a:off x="785786" y="428604"/>
+            <a:ext cx="7572428" cy="5643578"/>
           </a:xfrm>
           <a:prstGeom prst="rect">
             <a:avLst/>
           </a:prstGeom>
         </p:spPr>
       </p:pic>
+      <p:sp>
+        <p:nvSpPr>
+          <p:cNvPr id="3" name="Retângulo 2"/>
+          <p:cNvSpPr/>
+          <p:nvPr/>
+        </p:nvSpPr>
+        <p:spPr>
+          <a:xfrm>
+            <a:off x="785786" y="6215082"/>
+            <a:ext cx="1709571" cy="461665"/>
+          </a:xfrm>
+          <a:prstGeom prst="rect">
+            <a:avLst/>
+          </a:prstGeom>
+        </p:spPr>
+        <p:txBody>
+          <a:bodyPr wrap="none">
+            <a:spAutoFit/>
+          </a:bodyPr>
+          <a:lstStyle/>
+          <a:p>
+            <a:r>
+              <a:rPr lang="pt-BR" sz="2400" b="1" dirty="0" smtClean="0">
+                <a:ln w="17780" cmpd="sng">
+                  <a:solidFill>
+                    <a:srgbClr val="FFFFFF"/>
+                  </a:solidFill>
+                  <a:prstDash val="solid"/>
+                  <a:miter lim="800000"/>
+                </a:ln>
+                <a:gradFill rotWithShape="1">
+                  <a:gsLst>
+                    <a:gs pos="0">
+                      <a:srgbClr val="000000">
+                        <a:tint val="92000"/>
+                        <a:shade val="100000"/>
+                        <a:satMod val="150000"/>
+                      </a:srgbClr>
+                    </a:gs>
+                    <a:gs pos="49000">
+                      <a:srgbClr val="000000">
+                        <a:tint val="89000"/>
+                        <a:shade val="90000"/>
+                        <a:satMod val="150000"/>
+                      </a:srgbClr>
+                    </a:gs>
+                    <a:gs pos="50000">
+                      <a:srgbClr val="000000">
+                        <a:tint val="100000"/>
+                        <a:shade val="75000"/>
+                        <a:satMod val="150000"/>
+                      </a:srgbClr>
+                    </a:gs>
+                    <a:gs pos="95000">
+                      <a:srgbClr val="000000">
+                        <a:shade val="47000"/>
+                        <a:satMod val="150000"/>
+                      </a:srgbClr>
+                    </a:gs>
+                    <a:gs pos="100000">
+                      <a:srgbClr val="000000">
+                        <a:shade val="39000"/>
+                        <a:satMod val="150000"/>
+                      </a:srgbClr>
+                    </a:gs>
+                  </a:gsLst>
+                  <a:lin ang="5400000"/>
+                </a:gradFill>
+                <a:effectLst>
+                  <a:outerShdw blurRad="50800" algn="tl" rotWithShape="0">
+                    <a:srgbClr val="000000"/>
+                  </a:outerShdw>
+                </a:effectLst>
+                <a:latin typeface="Cooper Black" pitchFamily="18" charset="0"/>
+              </a:rPr>
+              <a:t>VL Frotas</a:t>
+            </a:r>
+            <a:endParaRPr lang="pt-BR" sz="2400" b="1" dirty="0">
+              <a:ln w="17780" cmpd="sng">
+                <a:solidFill>
+                  <a:srgbClr val="FFFFFF"/>
+                </a:solidFill>
+                <a:prstDash val="solid"/>
+                <a:miter lim="800000"/>
+              </a:ln>
+              <a:gradFill rotWithShape="1">
+                <a:gsLst>
+                  <a:gs pos="0">
+                    <a:srgbClr val="000000">
+                      <a:tint val="92000"/>
+                      <a:shade val="100000"/>
+                      <a:satMod val="150000"/>
+                    </a:srgbClr>
+                  </a:gs>
+                  <a:gs pos="49000">
+                    <a:srgbClr val="000000">
+                      <a:tint val="89000"/>
+                      <a:shade val="90000"/>
+                      <a:satMod val="150000"/>
+                    </a:srgbClr>
+                  </a:gs>
+                  <a:gs pos="50000">
+                    <a:srgbClr val="000000">
+                      <a:tint val="100000"/>
+                      <a:shade val="75000"/>
+                      <a:satMod val="150000"/>
+                    </a:srgbClr>
+                  </a:gs>
+                  <a:gs pos="95000">
+                    <a:srgbClr val="000000">
+                      <a:shade val="47000"/>
+                      <a:satMod val="150000"/>
+                    </a:srgbClr>
+                  </a:gs>
+                  <a:gs pos="100000">
+                    <a:srgbClr val="000000">
+                      <a:shade val="39000"/>
+                      <a:satMod val="150000"/>
+                    </a:srgbClr>
+                  </a:gs>
+                </a:gsLst>
+                <a:lin ang="5400000"/>
+              </a:gradFill>
+              <a:effectLst>
+                <a:outerShdw blurRad="50800" algn="tl" rotWithShape="0">
+                  <a:srgbClr val="000000"/>
+                </a:outerShdw>
+              </a:effectLst>
+              <a:latin typeface="Cooper Black" pitchFamily="18" charset="0"/>
+            </a:endParaRPr>
+          </a:p>
+        </p:txBody>
+      </p:sp>
     </p:spTree>
     <p:extLst>
       <p:ext uri="{BB962C8B-B14F-4D97-AF65-F5344CB8AC3E}">
-        <p14:creationId xmlns="" xmlns:p14="http://schemas.microsoft.com/office/powerpoint/2010/main" val="1480711632"/>
+        <p14:creationId xmlns:p14="http://schemas.microsoft.com/office/powerpoint/2010/main" xmlns="" val="1480711632"/>
       </p:ext>
     </p:extLst>
   </p:cSld>
@@ -4933,7 +6341,7 @@
 <file path=ppt/theme/theme1.xml><?xml version="1.0" encoding="utf-8"?>
 <a:theme xmlns:a="http://schemas.openxmlformats.org/drawingml/2006/main" name="NewsPrint">
   <a:themeElements>
-    <a:clrScheme name="NewsPrint">
+    <a:clrScheme name="Escritório">
       <a:dk1>
         <a:sysClr val="windowText" lastClr="000000"/>
       </a:dk1>
@@ -4941,34 +6349,34 @@
         <a:sysClr val="window" lastClr="FFFFFF"/>
       </a:lt1>
       <a:dk2>
-        <a:srgbClr val="303030"/>
+        <a:srgbClr val="1F497D"/>
       </a:dk2>
       <a:lt2>
-        <a:srgbClr val="DEDEE0"/>
+        <a:srgbClr val="EEECE1"/>
       </a:lt2>
       <a:accent1>
-        <a:srgbClr val="AD0101"/>
+        <a:srgbClr val="4F81BD"/>
       </a:accent1>
       <a:accent2>
-        <a:srgbClr val="726056"/>
+        <a:srgbClr val="C0504D"/>
       </a:accent2>
       <a:accent3>
-        <a:srgbClr val="AC956E"/>
+        <a:srgbClr val="9BBB59"/>
       </a:accent3>
       <a:accent4>
-        <a:srgbClr val="808DA9"/>
+        <a:srgbClr val="8064A2"/>
       </a:accent4>
       <a:accent5>
-        <a:srgbClr val="424E5B"/>
+        <a:srgbClr val="4BACC6"/>
       </a:accent5>
       <a:accent6>
-        <a:srgbClr val="730E00"/>
+        <a:srgbClr val="F79646"/>
       </a:accent6>
       <a:hlink>
-        <a:srgbClr val="D26900"/>
+        <a:srgbClr val="0000FF"/>
       </a:hlink>
       <a:folHlink>
-        <a:srgbClr val="D89243"/>
+        <a:srgbClr val="800080"/>
       </a:folHlink>
     </a:clrScheme>
     <a:fontScheme name="NewsPrint">

--- a/Cadastro de Frotas- Apresentação.pptx
+++ b/Cadastro de Frotas- Apresentação.pptx
@@ -15,6 +15,8 @@
     <p:sldId id="262" r:id="rId9"/>
     <p:sldId id="263" r:id="rId10"/>
     <p:sldId id="264" r:id="rId11"/>
+    <p:sldId id="266" r:id="rId12"/>
+    <p:sldId id="267" r:id="rId13"/>
   </p:sldIdLst>
   <p:sldSz cx="9144000" cy="6858000" type="screen4x3"/>
   <p:notesSz cx="6858000" cy="9144000"/>
@@ -347,7 +349,7 @@
             <a:fld id="{4FF65F46-31A6-4323-8EED-DA6B9C8A0773}" type="datetimeFigureOut">
               <a:rPr lang="pt-BR" smtClean="0"/>
               <a:pPr/>
-              <a:t>12/10/2016</a:t>
+              <a:t>17/10/2016</a:t>
             </a:fld>
             <a:endParaRPr lang="pt-BR" dirty="0"/>
           </a:p>
@@ -562,7 +564,7 @@
             <a:fld id="{4FF65F46-31A6-4323-8EED-DA6B9C8A0773}" type="datetimeFigureOut">
               <a:rPr lang="pt-BR" smtClean="0"/>
               <a:pPr/>
-              <a:t>12/10/2016</a:t>
+              <a:t>17/10/2016</a:t>
             </a:fld>
             <a:endParaRPr lang="pt-BR" dirty="0"/>
           </a:p>
@@ -739,7 +741,7 @@
             <a:fld id="{4FF65F46-31A6-4323-8EED-DA6B9C8A0773}" type="datetimeFigureOut">
               <a:rPr lang="pt-BR" smtClean="0"/>
               <a:pPr/>
-              <a:t>12/10/2016</a:t>
+              <a:t>17/10/2016</a:t>
             </a:fld>
             <a:endParaRPr lang="pt-BR" dirty="0"/>
           </a:p>
@@ -906,7 +908,7 @@
             <a:fld id="{4FF65F46-31A6-4323-8EED-DA6B9C8A0773}" type="datetimeFigureOut">
               <a:rPr lang="pt-BR" smtClean="0"/>
               <a:pPr/>
-              <a:t>12/10/2016</a:t>
+              <a:t>17/10/2016</a:t>
             </a:fld>
             <a:endParaRPr lang="pt-BR" dirty="0"/>
           </a:p>
@@ -1192,7 +1194,7 @@
             <a:fld id="{4FF65F46-31A6-4323-8EED-DA6B9C8A0773}" type="datetimeFigureOut">
               <a:rPr lang="pt-BR" smtClean="0"/>
               <a:pPr/>
-              <a:t>12/10/2016</a:t>
+              <a:t>17/10/2016</a:t>
             </a:fld>
             <a:endParaRPr lang="pt-BR" dirty="0"/>
           </a:p>
@@ -1520,7 +1522,7 @@
             <a:fld id="{4FF65F46-31A6-4323-8EED-DA6B9C8A0773}" type="datetimeFigureOut">
               <a:rPr lang="pt-BR" smtClean="0"/>
               <a:pPr/>
-              <a:t>12/10/2016</a:t>
+              <a:t>17/10/2016</a:t>
             </a:fld>
             <a:endParaRPr lang="pt-BR" dirty="0"/>
           </a:p>
@@ -1947,7 +1949,7 @@
             <a:fld id="{4FF65F46-31A6-4323-8EED-DA6B9C8A0773}" type="datetimeFigureOut">
               <a:rPr lang="pt-BR" smtClean="0"/>
               <a:pPr/>
-              <a:t>12/10/2016</a:t>
+              <a:t>17/10/2016</a:t>
             </a:fld>
             <a:endParaRPr lang="pt-BR" dirty="0"/>
           </a:p>
@@ -2122,7 +2124,7 @@
             <a:fld id="{4FF65F46-31A6-4323-8EED-DA6B9C8A0773}" type="datetimeFigureOut">
               <a:rPr lang="pt-BR" smtClean="0"/>
               <a:pPr/>
-              <a:t>12/10/2016</a:t>
+              <a:t>17/10/2016</a:t>
             </a:fld>
             <a:endParaRPr lang="pt-BR" dirty="0"/>
           </a:p>
@@ -2214,7 +2216,7 @@
             <a:fld id="{4FF65F46-31A6-4323-8EED-DA6B9C8A0773}" type="datetimeFigureOut">
               <a:rPr lang="pt-BR" smtClean="0"/>
               <a:pPr/>
-              <a:t>12/10/2016</a:t>
+              <a:t>17/10/2016</a:t>
             </a:fld>
             <a:endParaRPr lang="pt-BR" dirty="0"/>
           </a:p>
@@ -2496,7 +2498,7 @@
             <a:fld id="{4FF65F46-31A6-4323-8EED-DA6B9C8A0773}" type="datetimeFigureOut">
               <a:rPr lang="pt-BR" smtClean="0"/>
               <a:pPr/>
-              <a:t>12/10/2016</a:t>
+              <a:t>17/10/2016</a:t>
             </a:fld>
             <a:endParaRPr lang="pt-BR" dirty="0"/>
           </a:p>
@@ -2797,7 +2799,7 @@
             <a:fld id="{4FF65F46-31A6-4323-8EED-DA6B9C8A0773}" type="datetimeFigureOut">
               <a:rPr lang="pt-BR" smtClean="0"/>
               <a:pPr/>
-              <a:t>12/10/2016</a:t>
+              <a:t>17/10/2016</a:t>
             </a:fld>
             <a:endParaRPr lang="pt-BR" dirty="0"/>
           </a:p>
@@ -3009,7 +3011,7 @@
             <a:fld id="{4FF65F46-31A6-4323-8EED-DA6B9C8A0773}" type="datetimeFigureOut">
               <a:rPr lang="pt-BR" smtClean="0"/>
               <a:pPr/>
-              <a:t>12/10/2016</a:t>
+              <a:t>17/10/2016</a:t>
             </a:fld>
             <a:endParaRPr lang="pt-BR" dirty="0"/>
           </a:p>
@@ -3567,7 +3569,7 @@
           <a:blip r:embed="rId2" cstate="print">
             <a:extLst>
               <a:ext uri="{28A0092B-C50C-407E-A947-70E740481C1C}">
-                <a14:useLocalDpi xmlns:a14="http://schemas.microsoft.com/office/drawing/2010/main" xmlns="" val="0"/>
+                <a14:useLocalDpi xmlns:a14="http://schemas.microsoft.com/office/drawing/2010/main" val="0"/>
               </a:ext>
             </a:extLst>
           </a:blip>
@@ -3596,7 +3598,7 @@
           </a:effectLst>
           <a:extLst>
             <a:ext uri="{909E8E84-426E-40DD-AFC4-6F175D3DCCD1}">
-              <a14:hiddenFill xmlns:a14="http://schemas.microsoft.com/office/drawing/2010/main" xmlns="">
+              <a14:hiddenFill xmlns:a14="http://schemas.microsoft.com/office/drawing/2010/main">
                 <a:solidFill>
                   <a:srgbClr val="FFFFFF"/>
                 </a:solidFill>
@@ -3688,63 +3690,7 @@
                 </a:effectLst>
                 <a:latin typeface="Cooper Black" pitchFamily="18" charset="0"/>
               </a:rPr>
-              <a:t>VL  </a:t>
-            </a:r>
-            <a:r>
-              <a:rPr lang="pt-BR" sz="6600" b="1" dirty="0" smtClean="0">
-                <a:ln w="17780" cmpd="sng">
-                  <a:solidFill>
-                    <a:srgbClr val="FFFFFF"/>
-                  </a:solidFill>
-                  <a:prstDash val="solid"/>
-                  <a:miter lim="800000"/>
-                </a:ln>
-                <a:gradFill rotWithShape="1">
-                  <a:gsLst>
-                    <a:gs pos="0">
-                      <a:srgbClr val="000000">
-                        <a:tint val="92000"/>
-                        <a:shade val="100000"/>
-                        <a:satMod val="150000"/>
-                      </a:srgbClr>
-                    </a:gs>
-                    <a:gs pos="49000">
-                      <a:srgbClr val="000000">
-                        <a:tint val="89000"/>
-                        <a:shade val="90000"/>
-                        <a:satMod val="150000"/>
-                      </a:srgbClr>
-                    </a:gs>
-                    <a:gs pos="50000">
-                      <a:srgbClr val="000000">
-                        <a:tint val="100000"/>
-                        <a:shade val="75000"/>
-                        <a:satMod val="150000"/>
-                      </a:srgbClr>
-                    </a:gs>
-                    <a:gs pos="95000">
-                      <a:srgbClr val="000000">
-                        <a:shade val="47000"/>
-                        <a:satMod val="150000"/>
-                      </a:srgbClr>
-                    </a:gs>
-                    <a:gs pos="100000">
-                      <a:srgbClr val="000000">
-                        <a:shade val="39000"/>
-                        <a:satMod val="150000"/>
-                      </a:srgbClr>
-                    </a:gs>
-                  </a:gsLst>
-                  <a:lin ang="5400000"/>
-                </a:gradFill>
-                <a:effectLst>
-                  <a:outerShdw blurRad="50800" algn="tl" rotWithShape="0">
-                    <a:srgbClr val="000000"/>
-                  </a:outerShdw>
-                </a:effectLst>
-                <a:latin typeface="Cooper Black" pitchFamily="18" charset="0"/>
-              </a:rPr>
-              <a:t>Frotas </a:t>
+              <a:t>VL  Frotas </a:t>
             </a:r>
             <a:endParaRPr lang="pt-BR" sz="6600" b="1" dirty="0">
               <a:ln w="17780" cmpd="sng">
@@ -3866,7 +3812,7 @@
     </p:spTree>
     <p:extLst>
       <p:ext uri="{BB962C8B-B14F-4D97-AF65-F5344CB8AC3E}">
-        <p14:creationId xmlns:p14="http://schemas.microsoft.com/office/powerpoint/2010/main" xmlns="" val="1820253863"/>
+        <p14:creationId xmlns:p14="http://schemas.microsoft.com/office/powerpoint/2010/main" val="1820253863"/>
       </p:ext>
     </p:extLst>
   </p:cSld>
@@ -3900,36 +3846,6 @@
           <a:chExt cx="0" cy="0"/>
         </a:xfrm>
       </p:grpSpPr>
-      <p:pic>
-        <p:nvPicPr>
-          <p:cNvPr id="2" name="Imagem 1"/>
-          <p:cNvPicPr>
-            <a:picLocks noChangeAspect="1"/>
-          </p:cNvPicPr>
-          <p:nvPr/>
-        </p:nvPicPr>
-        <p:blipFill>
-          <a:blip r:embed="rId2">
-            <a:extLst>
-              <a:ext uri="{28A0092B-C50C-407E-A947-70E740481C1C}">
-                <a14:useLocalDpi xmlns:a14="http://schemas.microsoft.com/office/drawing/2010/main" xmlns="" val="0"/>
-              </a:ext>
-            </a:extLst>
-          </a:blip>
-          <a:stretch>
-            <a:fillRect/>
-          </a:stretch>
-        </p:blipFill>
-        <p:spPr>
-          <a:xfrm>
-            <a:off x="785786" y="785794"/>
-            <a:ext cx="7643866" cy="5143536"/>
-          </a:xfrm>
-          <a:prstGeom prst="rect">
-            <a:avLst/>
-          </a:prstGeom>
-        </p:spPr>
-      </p:pic>
       <p:sp>
         <p:nvSpPr>
           <p:cNvPr id="3" name="Retângulo 2"/>
@@ -4063,10 +3979,40 @@
           </a:p>
         </p:txBody>
       </p:sp>
+      <p:pic>
+        <p:nvPicPr>
+          <p:cNvPr id="4" name="Imagem 3"/>
+          <p:cNvPicPr>
+            <a:picLocks noChangeAspect="1"/>
+          </p:cNvPicPr>
+          <p:nvPr/>
+        </p:nvPicPr>
+        <p:blipFill>
+          <a:blip r:embed="rId2">
+            <a:extLst>
+              <a:ext uri="{28A0092B-C50C-407E-A947-70E740481C1C}">
+                <a14:useLocalDpi xmlns:a14="http://schemas.microsoft.com/office/drawing/2010/main" val="0"/>
+              </a:ext>
+            </a:extLst>
+          </a:blip>
+          <a:stretch>
+            <a:fillRect/>
+          </a:stretch>
+        </p:blipFill>
+        <p:spPr>
+          <a:xfrm>
+            <a:off x="1187624" y="476672"/>
+            <a:ext cx="6768752" cy="5572125"/>
+          </a:xfrm>
+          <a:prstGeom prst="rect">
+            <a:avLst/>
+          </a:prstGeom>
+        </p:spPr>
+      </p:pic>
     </p:spTree>
     <p:extLst>
       <p:ext uri="{BB962C8B-B14F-4D97-AF65-F5344CB8AC3E}">
-        <p14:creationId xmlns:p14="http://schemas.microsoft.com/office/powerpoint/2010/main" xmlns="" val="4276782957"/>
+        <p14:creationId xmlns:p14="http://schemas.microsoft.com/office/powerpoint/2010/main" val="4276782957"/>
       </p:ext>
     </p:extLst>
   </p:cSld>
@@ -4080,6 +4026,126 @@
       </p:par>
     </p:tnLst>
   </p:timing>
+</p:sld>
+</file>
+
+<file path=ppt/slides/slide11.xml><?xml version="1.0" encoding="utf-8"?>
+<p:sld xmlns:a="http://schemas.openxmlformats.org/drawingml/2006/main" xmlns:r="http://schemas.openxmlformats.org/officeDocument/2006/relationships" xmlns:p="http://schemas.openxmlformats.org/presentationml/2006/main">
+  <p:cSld>
+    <p:spTree>
+      <p:nvGrpSpPr>
+        <p:cNvPr id="1" name=""/>
+        <p:cNvGrpSpPr/>
+        <p:nvPr/>
+      </p:nvGrpSpPr>
+      <p:grpSpPr>
+        <a:xfrm>
+          <a:off x="0" y="0"/>
+          <a:ext cx="0" cy="0"/>
+          <a:chOff x="0" y="0"/>
+          <a:chExt cx="0" cy="0"/>
+        </a:xfrm>
+      </p:grpSpPr>
+      <p:pic>
+        <p:nvPicPr>
+          <p:cNvPr id="2" name="Imagem 1"/>
+          <p:cNvPicPr>
+            <a:picLocks noChangeAspect="1"/>
+          </p:cNvPicPr>
+          <p:nvPr/>
+        </p:nvPicPr>
+        <p:blipFill>
+          <a:blip r:embed="rId2">
+            <a:extLst>
+              <a:ext uri="{28A0092B-C50C-407E-A947-70E740481C1C}">
+                <a14:useLocalDpi xmlns:a14="http://schemas.microsoft.com/office/drawing/2010/main" val="0"/>
+              </a:ext>
+            </a:extLst>
+          </a:blip>
+          <a:stretch>
+            <a:fillRect/>
+          </a:stretch>
+        </p:blipFill>
+        <p:spPr>
+          <a:xfrm>
+            <a:off x="1115616" y="548680"/>
+            <a:ext cx="6840760" cy="5472608"/>
+          </a:xfrm>
+          <a:prstGeom prst="rect">
+            <a:avLst/>
+          </a:prstGeom>
+        </p:spPr>
+      </p:pic>
+    </p:spTree>
+    <p:extLst>
+      <p:ext uri="{BB962C8B-B14F-4D97-AF65-F5344CB8AC3E}">
+        <p14:creationId xmlns:p14="http://schemas.microsoft.com/office/powerpoint/2010/main" val="518787371"/>
+      </p:ext>
+    </p:extLst>
+  </p:cSld>
+  <p:clrMapOvr>
+    <a:masterClrMapping/>
+  </p:clrMapOvr>
+</p:sld>
+</file>
+
+<file path=ppt/slides/slide12.xml><?xml version="1.0" encoding="utf-8"?>
+<p:sld xmlns:a="http://schemas.openxmlformats.org/drawingml/2006/main" xmlns:r="http://schemas.openxmlformats.org/officeDocument/2006/relationships" xmlns:p="http://schemas.openxmlformats.org/presentationml/2006/main">
+  <p:cSld>
+    <p:spTree>
+      <p:nvGrpSpPr>
+        <p:cNvPr id="1" name=""/>
+        <p:cNvGrpSpPr/>
+        <p:nvPr/>
+      </p:nvGrpSpPr>
+      <p:grpSpPr>
+        <a:xfrm>
+          <a:off x="0" y="0"/>
+          <a:ext cx="0" cy="0"/>
+          <a:chOff x="0" y="0"/>
+          <a:chExt cx="0" cy="0"/>
+        </a:xfrm>
+      </p:grpSpPr>
+      <p:pic>
+        <p:nvPicPr>
+          <p:cNvPr id="2" name="Imagem 1"/>
+          <p:cNvPicPr>
+            <a:picLocks noChangeAspect="1"/>
+          </p:cNvPicPr>
+          <p:nvPr/>
+        </p:nvPicPr>
+        <p:blipFill>
+          <a:blip r:embed="rId2">
+            <a:extLst>
+              <a:ext uri="{28A0092B-C50C-407E-A947-70E740481C1C}">
+                <a14:useLocalDpi xmlns:a14="http://schemas.microsoft.com/office/drawing/2010/main" val="0"/>
+              </a:ext>
+            </a:extLst>
+          </a:blip>
+          <a:stretch>
+            <a:fillRect/>
+          </a:stretch>
+        </p:blipFill>
+        <p:spPr>
+          <a:xfrm>
+            <a:off x="1115616" y="620688"/>
+            <a:ext cx="6741756" cy="5400600"/>
+          </a:xfrm>
+          <a:prstGeom prst="rect">
+            <a:avLst/>
+          </a:prstGeom>
+        </p:spPr>
+      </p:pic>
+    </p:spTree>
+    <p:extLst>
+      <p:ext uri="{BB962C8B-B14F-4D97-AF65-F5344CB8AC3E}">
+        <p14:creationId xmlns:p14="http://schemas.microsoft.com/office/powerpoint/2010/main" val="1622109392"/>
+      </p:ext>
+    </p:extLst>
+  </p:cSld>
+  <p:clrMapOvr>
+    <a:masterClrMapping/>
+  </p:clrMapOvr>
 </p:sld>
 </file>
 
@@ -4402,7 +4468,7 @@
     </p:spTree>
     <p:extLst>
       <p:ext uri="{BB962C8B-B14F-4D97-AF65-F5344CB8AC3E}">
-        <p14:creationId xmlns:p14="http://schemas.microsoft.com/office/powerpoint/2010/main" xmlns="" val="2549202381"/>
+        <p14:creationId xmlns:p14="http://schemas.microsoft.com/office/powerpoint/2010/main" val="2549202381"/>
       </p:ext>
     </p:extLst>
   </p:cSld>
@@ -4760,7 +4826,7 @@
     </p:spTree>
     <p:extLst>
       <p:ext uri="{BB962C8B-B14F-4D97-AF65-F5344CB8AC3E}">
-        <p14:creationId xmlns:p14="http://schemas.microsoft.com/office/powerpoint/2010/main" xmlns="" val="1046120593"/>
+        <p14:creationId xmlns:p14="http://schemas.microsoft.com/office/powerpoint/2010/main" val="1046120593"/>
       </p:ext>
     </p:extLst>
   </p:cSld>
@@ -5024,7 +5090,7 @@
     </p:spTree>
     <p:extLst>
       <p:ext uri="{BB962C8B-B14F-4D97-AF65-F5344CB8AC3E}">
-        <p14:creationId xmlns:p14="http://schemas.microsoft.com/office/powerpoint/2010/main" xmlns="" val="1557941365"/>
+        <p14:creationId xmlns:p14="http://schemas.microsoft.com/office/powerpoint/2010/main" val="1557941365"/>
       </p:ext>
     </p:extLst>
   </p:cSld>
@@ -5120,7 +5186,7 @@
           <a:blip r:embed="rId2">
             <a:extLst>
               <a:ext uri="{28A0092B-C50C-407E-A947-70E740481C1C}">
-                <a14:useLocalDpi xmlns:a14="http://schemas.microsoft.com/office/drawing/2010/main" xmlns="" val="0"/>
+                <a14:useLocalDpi xmlns:a14="http://schemas.microsoft.com/office/drawing/2010/main" val="0"/>
               </a:ext>
             </a:extLst>
           </a:blip>
@@ -5140,7 +5206,7 @@
           <a:noFill/>
           <a:extLst>
             <a:ext uri="{909E8E84-426E-40DD-AFC4-6F175D3DCCD1}">
-              <a14:hiddenFill xmlns:a14="http://schemas.microsoft.com/office/drawing/2010/main" xmlns="">
+              <a14:hiddenFill xmlns:a14="http://schemas.microsoft.com/office/drawing/2010/main">
                 <a:solidFill>
                   <a:srgbClr val="FFFFFF"/>
                 </a:solidFill>
@@ -5161,7 +5227,7 @@
           <a:blip r:embed="rId3">
             <a:extLst>
               <a:ext uri="{28A0092B-C50C-407E-A947-70E740481C1C}">
-                <a14:useLocalDpi xmlns:a14="http://schemas.microsoft.com/office/drawing/2010/main" xmlns="" val="0"/>
+                <a14:useLocalDpi xmlns:a14="http://schemas.microsoft.com/office/drawing/2010/main" val="0"/>
               </a:ext>
             </a:extLst>
           </a:blip>
@@ -5181,7 +5247,7 @@
           <a:noFill/>
           <a:extLst>
             <a:ext uri="{909E8E84-426E-40DD-AFC4-6F175D3DCCD1}">
-              <a14:hiddenFill xmlns:a14="http://schemas.microsoft.com/office/drawing/2010/main" xmlns="">
+              <a14:hiddenFill xmlns:a14="http://schemas.microsoft.com/office/drawing/2010/main">
                 <a:solidFill>
                   <a:srgbClr val="FFFFFF"/>
                 </a:solidFill>
@@ -5326,7 +5392,7 @@
     </p:spTree>
     <p:extLst>
       <p:ext uri="{BB962C8B-B14F-4D97-AF65-F5344CB8AC3E}">
-        <p14:creationId xmlns:p14="http://schemas.microsoft.com/office/powerpoint/2010/main" xmlns="" val="2244090272"/>
+        <p14:creationId xmlns:p14="http://schemas.microsoft.com/office/powerpoint/2010/main" val="2244090272"/>
       </p:ext>
     </p:extLst>
   </p:cSld>
@@ -5638,7 +5704,7 @@
     </p:spTree>
     <p:extLst>
       <p:ext uri="{BB962C8B-B14F-4D97-AF65-F5344CB8AC3E}">
-        <p14:creationId xmlns:p14="http://schemas.microsoft.com/office/powerpoint/2010/main" xmlns="" val="3182518312"/>
+        <p14:creationId xmlns:p14="http://schemas.microsoft.com/office/powerpoint/2010/main" val="3182518312"/>
       </p:ext>
     </p:extLst>
   </p:cSld>
@@ -5905,36 +5971,6 @@
           <a:chExt cx="0" cy="0"/>
         </a:xfrm>
       </p:grpSpPr>
-      <p:pic>
-        <p:nvPicPr>
-          <p:cNvPr id="2" name="Imagem 1"/>
-          <p:cNvPicPr>
-            <a:picLocks noChangeAspect="1"/>
-          </p:cNvPicPr>
-          <p:nvPr/>
-        </p:nvPicPr>
-        <p:blipFill>
-          <a:blip r:embed="rId2">
-            <a:extLst>
-              <a:ext uri="{28A0092B-C50C-407E-A947-70E740481C1C}">
-                <a14:useLocalDpi xmlns:a14="http://schemas.microsoft.com/office/drawing/2010/main" xmlns="" val="0"/>
-              </a:ext>
-            </a:extLst>
-          </a:blip>
-          <a:stretch>
-            <a:fillRect/>
-          </a:stretch>
-        </p:blipFill>
-        <p:spPr>
-          <a:xfrm>
-            <a:off x="571472" y="1142984"/>
-            <a:ext cx="7929618" cy="4929222"/>
-          </a:xfrm>
-          <a:prstGeom prst="rect">
-            <a:avLst/>
-          </a:prstGeom>
-        </p:spPr>
-      </p:pic>
       <p:sp>
         <p:nvSpPr>
           <p:cNvPr id="3" name="CaixaDeTexto 2"/>
@@ -6118,10 +6154,40 @@
           </a:p>
         </p:txBody>
       </p:sp>
+      <p:pic>
+        <p:nvPicPr>
+          <p:cNvPr id="5" name="Imagem 4"/>
+          <p:cNvPicPr>
+            <a:picLocks noChangeAspect="1"/>
+          </p:cNvPicPr>
+          <p:nvPr/>
+        </p:nvPicPr>
+        <p:blipFill>
+          <a:blip r:embed="rId2">
+            <a:extLst>
+              <a:ext uri="{28A0092B-C50C-407E-A947-70E740481C1C}">
+                <a14:useLocalDpi xmlns:a14="http://schemas.microsoft.com/office/drawing/2010/main" val="0"/>
+              </a:ext>
+            </a:extLst>
+          </a:blip>
+          <a:stretch>
+            <a:fillRect/>
+          </a:stretch>
+        </p:blipFill>
+        <p:spPr>
+          <a:xfrm>
+            <a:off x="1043608" y="1170425"/>
+            <a:ext cx="7200800" cy="4850863"/>
+          </a:xfrm>
+          <a:prstGeom prst="rect">
+            <a:avLst/>
+          </a:prstGeom>
+        </p:spPr>
+      </p:pic>
     </p:spTree>
     <p:extLst>
       <p:ext uri="{BB962C8B-B14F-4D97-AF65-F5344CB8AC3E}">
-        <p14:creationId xmlns:p14="http://schemas.microsoft.com/office/powerpoint/2010/main" xmlns="" val="2751794855"/>
+        <p14:creationId xmlns:p14="http://schemas.microsoft.com/office/powerpoint/2010/main" val="2751794855"/>
       </p:ext>
     </p:extLst>
   </p:cSld>
@@ -6155,36 +6221,6 @@
           <a:chExt cx="0" cy="0"/>
         </a:xfrm>
       </p:grpSpPr>
-      <p:pic>
-        <p:nvPicPr>
-          <p:cNvPr id="2" name="Imagem 1"/>
-          <p:cNvPicPr>
-            <a:picLocks noChangeAspect="1"/>
-          </p:cNvPicPr>
-          <p:nvPr/>
-        </p:nvPicPr>
-        <p:blipFill>
-          <a:blip r:embed="rId2">
-            <a:extLst>
-              <a:ext uri="{28A0092B-C50C-407E-A947-70E740481C1C}">
-                <a14:useLocalDpi xmlns:a14="http://schemas.microsoft.com/office/drawing/2010/main" xmlns="" val="0"/>
-              </a:ext>
-            </a:extLst>
-          </a:blip>
-          <a:stretch>
-            <a:fillRect/>
-          </a:stretch>
-        </p:blipFill>
-        <p:spPr>
-          <a:xfrm>
-            <a:off x="785786" y="428604"/>
-            <a:ext cx="7572428" cy="5643578"/>
-          </a:xfrm>
-          <a:prstGeom prst="rect">
-            <a:avLst/>
-          </a:prstGeom>
-        </p:spPr>
-      </p:pic>
       <p:sp>
         <p:nvSpPr>
           <p:cNvPr id="3" name="Retângulo 2"/>
@@ -6318,10 +6354,40 @@
           </a:p>
         </p:txBody>
       </p:sp>
+      <p:pic>
+        <p:nvPicPr>
+          <p:cNvPr id="4" name="Imagem 3"/>
+          <p:cNvPicPr>
+            <a:picLocks noChangeAspect="1"/>
+          </p:cNvPicPr>
+          <p:nvPr/>
+        </p:nvPicPr>
+        <p:blipFill>
+          <a:blip r:embed="rId2">
+            <a:extLst>
+              <a:ext uri="{28A0092B-C50C-407E-A947-70E740481C1C}">
+                <a14:useLocalDpi xmlns:a14="http://schemas.microsoft.com/office/drawing/2010/main" val="0"/>
+              </a:ext>
+            </a:extLst>
+          </a:blip>
+          <a:stretch>
+            <a:fillRect/>
+          </a:stretch>
+        </p:blipFill>
+        <p:spPr>
+          <a:xfrm>
+            <a:off x="899592" y="727510"/>
+            <a:ext cx="7344816" cy="5077753"/>
+          </a:xfrm>
+          <a:prstGeom prst="rect">
+            <a:avLst/>
+          </a:prstGeom>
+        </p:spPr>
+      </p:pic>
     </p:spTree>
     <p:extLst>
       <p:ext uri="{BB962C8B-B14F-4D97-AF65-F5344CB8AC3E}">
-        <p14:creationId xmlns:p14="http://schemas.microsoft.com/office/powerpoint/2010/main" xmlns="" val="1480711632"/>
+        <p14:creationId xmlns:p14="http://schemas.microsoft.com/office/powerpoint/2010/main" val="1480711632"/>
       </p:ext>
     </p:extLst>
   </p:cSld>

--- a/Cadastro de Frotas- Apresentação.pptx
+++ b/Cadastro de Frotas- Apresentação.pptx
@@ -17,6 +17,7 @@
     <p:sldId id="264" r:id="rId11"/>
     <p:sldId id="266" r:id="rId12"/>
     <p:sldId id="267" r:id="rId13"/>
+    <p:sldId id="268" r:id="rId14"/>
   </p:sldIdLst>
   <p:sldSz cx="9144000" cy="6858000" type="screen4x3"/>
   <p:notesSz cx="6858000" cy="9144000"/>
@@ -349,7 +350,7 @@
             <a:fld id="{4FF65F46-31A6-4323-8EED-DA6B9C8A0773}" type="datetimeFigureOut">
               <a:rPr lang="pt-BR" smtClean="0"/>
               <a:pPr/>
-              <a:t>17/10/2016</a:t>
+              <a:t>18/10/2016</a:t>
             </a:fld>
             <a:endParaRPr lang="pt-BR" dirty="0"/>
           </a:p>
@@ -564,7 +565,7 @@
             <a:fld id="{4FF65F46-31A6-4323-8EED-DA6B9C8A0773}" type="datetimeFigureOut">
               <a:rPr lang="pt-BR" smtClean="0"/>
               <a:pPr/>
-              <a:t>17/10/2016</a:t>
+              <a:t>18/10/2016</a:t>
             </a:fld>
             <a:endParaRPr lang="pt-BR" dirty="0"/>
           </a:p>
@@ -741,7 +742,7 @@
             <a:fld id="{4FF65F46-31A6-4323-8EED-DA6B9C8A0773}" type="datetimeFigureOut">
               <a:rPr lang="pt-BR" smtClean="0"/>
               <a:pPr/>
-              <a:t>17/10/2016</a:t>
+              <a:t>18/10/2016</a:t>
             </a:fld>
             <a:endParaRPr lang="pt-BR" dirty="0"/>
           </a:p>
@@ -908,7 +909,7 @@
             <a:fld id="{4FF65F46-31A6-4323-8EED-DA6B9C8A0773}" type="datetimeFigureOut">
               <a:rPr lang="pt-BR" smtClean="0"/>
               <a:pPr/>
-              <a:t>17/10/2016</a:t>
+              <a:t>18/10/2016</a:t>
             </a:fld>
             <a:endParaRPr lang="pt-BR" dirty="0"/>
           </a:p>
@@ -1194,7 +1195,7 @@
             <a:fld id="{4FF65F46-31A6-4323-8EED-DA6B9C8A0773}" type="datetimeFigureOut">
               <a:rPr lang="pt-BR" smtClean="0"/>
               <a:pPr/>
-              <a:t>17/10/2016</a:t>
+              <a:t>18/10/2016</a:t>
             </a:fld>
             <a:endParaRPr lang="pt-BR" dirty="0"/>
           </a:p>
@@ -1522,7 +1523,7 @@
             <a:fld id="{4FF65F46-31A6-4323-8EED-DA6B9C8A0773}" type="datetimeFigureOut">
               <a:rPr lang="pt-BR" smtClean="0"/>
               <a:pPr/>
-              <a:t>17/10/2016</a:t>
+              <a:t>18/10/2016</a:t>
             </a:fld>
             <a:endParaRPr lang="pt-BR" dirty="0"/>
           </a:p>
@@ -1949,7 +1950,7 @@
             <a:fld id="{4FF65F46-31A6-4323-8EED-DA6B9C8A0773}" type="datetimeFigureOut">
               <a:rPr lang="pt-BR" smtClean="0"/>
               <a:pPr/>
-              <a:t>17/10/2016</a:t>
+              <a:t>18/10/2016</a:t>
             </a:fld>
             <a:endParaRPr lang="pt-BR" dirty="0"/>
           </a:p>
@@ -2124,7 +2125,7 @@
             <a:fld id="{4FF65F46-31A6-4323-8EED-DA6B9C8A0773}" type="datetimeFigureOut">
               <a:rPr lang="pt-BR" smtClean="0"/>
               <a:pPr/>
-              <a:t>17/10/2016</a:t>
+              <a:t>18/10/2016</a:t>
             </a:fld>
             <a:endParaRPr lang="pt-BR" dirty="0"/>
           </a:p>
@@ -2216,7 +2217,7 @@
             <a:fld id="{4FF65F46-31A6-4323-8EED-DA6B9C8A0773}" type="datetimeFigureOut">
               <a:rPr lang="pt-BR" smtClean="0"/>
               <a:pPr/>
-              <a:t>17/10/2016</a:t>
+              <a:t>18/10/2016</a:t>
             </a:fld>
             <a:endParaRPr lang="pt-BR" dirty="0"/>
           </a:p>
@@ -2498,7 +2499,7 @@
             <a:fld id="{4FF65F46-31A6-4323-8EED-DA6B9C8A0773}" type="datetimeFigureOut">
               <a:rPr lang="pt-BR" smtClean="0"/>
               <a:pPr/>
-              <a:t>17/10/2016</a:t>
+              <a:t>18/10/2016</a:t>
             </a:fld>
             <a:endParaRPr lang="pt-BR" dirty="0"/>
           </a:p>
@@ -2799,7 +2800,7 @@
             <a:fld id="{4FF65F46-31A6-4323-8EED-DA6B9C8A0773}" type="datetimeFigureOut">
               <a:rPr lang="pt-BR" smtClean="0"/>
               <a:pPr/>
-              <a:t>17/10/2016</a:t>
+              <a:t>18/10/2016</a:t>
             </a:fld>
             <a:endParaRPr lang="pt-BR" dirty="0"/>
           </a:p>
@@ -3011,7 +3012,7 @@
             <a:fld id="{4FF65F46-31A6-4323-8EED-DA6B9C8A0773}" type="datetimeFigureOut">
               <a:rPr lang="pt-BR" smtClean="0"/>
               <a:pPr/>
-              <a:t>17/10/2016</a:t>
+              <a:t>18/10/2016</a:t>
             </a:fld>
             <a:endParaRPr lang="pt-BR" dirty="0"/>
           </a:p>
@@ -4076,6 +4077,139 @@
           </a:prstGeom>
         </p:spPr>
       </p:pic>
+      <p:sp>
+        <p:nvSpPr>
+          <p:cNvPr id="3" name="Retângulo 2"/>
+          <p:cNvSpPr/>
+          <p:nvPr/>
+        </p:nvSpPr>
+        <p:spPr>
+          <a:xfrm>
+            <a:off x="785786" y="6215082"/>
+            <a:ext cx="1709571" cy="461665"/>
+          </a:xfrm>
+          <a:prstGeom prst="rect">
+            <a:avLst/>
+          </a:prstGeom>
+        </p:spPr>
+        <p:txBody>
+          <a:bodyPr wrap="none">
+            <a:spAutoFit/>
+          </a:bodyPr>
+          <a:lstStyle/>
+          <a:p>
+            <a:r>
+              <a:rPr lang="pt-BR" sz="2400" b="1" dirty="0" smtClean="0">
+                <a:ln w="17780" cmpd="sng">
+                  <a:solidFill>
+                    <a:srgbClr val="FFFFFF"/>
+                  </a:solidFill>
+                  <a:prstDash val="solid"/>
+                  <a:miter lim="800000"/>
+                </a:ln>
+                <a:gradFill rotWithShape="1">
+                  <a:gsLst>
+                    <a:gs pos="0">
+                      <a:srgbClr val="000000">
+                        <a:tint val="92000"/>
+                        <a:shade val="100000"/>
+                        <a:satMod val="150000"/>
+                      </a:srgbClr>
+                    </a:gs>
+                    <a:gs pos="49000">
+                      <a:srgbClr val="000000">
+                        <a:tint val="89000"/>
+                        <a:shade val="90000"/>
+                        <a:satMod val="150000"/>
+                      </a:srgbClr>
+                    </a:gs>
+                    <a:gs pos="50000">
+                      <a:srgbClr val="000000">
+                        <a:tint val="100000"/>
+                        <a:shade val="75000"/>
+                        <a:satMod val="150000"/>
+                      </a:srgbClr>
+                    </a:gs>
+                    <a:gs pos="95000">
+                      <a:srgbClr val="000000">
+                        <a:shade val="47000"/>
+                        <a:satMod val="150000"/>
+                      </a:srgbClr>
+                    </a:gs>
+                    <a:gs pos="100000">
+                      <a:srgbClr val="000000">
+                        <a:shade val="39000"/>
+                        <a:satMod val="150000"/>
+                      </a:srgbClr>
+                    </a:gs>
+                  </a:gsLst>
+                  <a:lin ang="5400000"/>
+                </a:gradFill>
+                <a:effectLst>
+                  <a:outerShdw blurRad="50800" algn="tl" rotWithShape="0">
+                    <a:srgbClr val="000000"/>
+                  </a:outerShdw>
+                </a:effectLst>
+                <a:latin typeface="Cooper Black" pitchFamily="18" charset="0"/>
+              </a:rPr>
+              <a:t>VL Frotas</a:t>
+            </a:r>
+            <a:endParaRPr lang="pt-BR" sz="2400" b="1" dirty="0">
+              <a:ln w="17780" cmpd="sng">
+                <a:solidFill>
+                  <a:srgbClr val="FFFFFF"/>
+                </a:solidFill>
+                <a:prstDash val="solid"/>
+                <a:miter lim="800000"/>
+              </a:ln>
+              <a:gradFill rotWithShape="1">
+                <a:gsLst>
+                  <a:gs pos="0">
+                    <a:srgbClr val="000000">
+                      <a:tint val="92000"/>
+                      <a:shade val="100000"/>
+                      <a:satMod val="150000"/>
+                    </a:srgbClr>
+                  </a:gs>
+                  <a:gs pos="49000">
+                    <a:srgbClr val="000000">
+                      <a:tint val="89000"/>
+                      <a:shade val="90000"/>
+                      <a:satMod val="150000"/>
+                    </a:srgbClr>
+                  </a:gs>
+                  <a:gs pos="50000">
+                    <a:srgbClr val="000000">
+                      <a:tint val="100000"/>
+                      <a:shade val="75000"/>
+                      <a:satMod val="150000"/>
+                    </a:srgbClr>
+                  </a:gs>
+                  <a:gs pos="95000">
+                    <a:srgbClr val="000000">
+                      <a:shade val="47000"/>
+                      <a:satMod val="150000"/>
+                    </a:srgbClr>
+                  </a:gs>
+                  <a:gs pos="100000">
+                    <a:srgbClr val="000000">
+                      <a:shade val="39000"/>
+                      <a:satMod val="150000"/>
+                    </a:srgbClr>
+                  </a:gs>
+                </a:gsLst>
+                <a:lin ang="5400000"/>
+              </a:gradFill>
+              <a:effectLst>
+                <a:outerShdw blurRad="50800" algn="tl" rotWithShape="0">
+                  <a:srgbClr val="000000"/>
+                </a:outerShdw>
+              </a:effectLst>
+              <a:latin typeface="Cooper Black" pitchFamily="18" charset="0"/>
+            </a:endParaRPr>
+          </a:p>
+        </p:txBody>
+      </p:sp>
     </p:spTree>
     <p:extLst>
       <p:ext uri="{BB962C8B-B14F-4D97-AF65-F5344CB8AC3E}">
@@ -4086,6 +4220,13 @@
   <p:clrMapOvr>
     <a:masterClrMapping/>
   </p:clrMapOvr>
+  <p:timing>
+    <p:tnLst>
+      <p:par>
+        <p:cTn id="1" dur="indefinite" restart="never" nodeType="tmRoot"/>
+      </p:par>
+    </p:tnLst>
+  </p:timing>
 </p:sld>
 </file>
 
@@ -4136,6 +4277,139 @@
           </a:prstGeom>
         </p:spPr>
       </p:pic>
+      <p:sp>
+        <p:nvSpPr>
+          <p:cNvPr id="3" name="Retângulo 2"/>
+          <p:cNvSpPr/>
+          <p:nvPr/>
+        </p:nvSpPr>
+        <p:spPr>
+          <a:xfrm>
+            <a:off x="899592" y="6215082"/>
+            <a:ext cx="1709571" cy="461665"/>
+          </a:xfrm>
+          <a:prstGeom prst="rect">
+            <a:avLst/>
+          </a:prstGeom>
+        </p:spPr>
+        <p:txBody>
+          <a:bodyPr wrap="none">
+            <a:spAutoFit/>
+          </a:bodyPr>
+          <a:lstStyle/>
+          <a:p>
+            <a:r>
+              <a:rPr lang="pt-BR" sz="2400" b="1" dirty="0" smtClean="0">
+                <a:ln w="17780" cmpd="sng">
+                  <a:solidFill>
+                    <a:srgbClr val="FFFFFF"/>
+                  </a:solidFill>
+                  <a:prstDash val="solid"/>
+                  <a:miter lim="800000"/>
+                </a:ln>
+                <a:gradFill rotWithShape="1">
+                  <a:gsLst>
+                    <a:gs pos="0">
+                      <a:srgbClr val="000000">
+                        <a:tint val="92000"/>
+                        <a:shade val="100000"/>
+                        <a:satMod val="150000"/>
+                      </a:srgbClr>
+                    </a:gs>
+                    <a:gs pos="49000">
+                      <a:srgbClr val="000000">
+                        <a:tint val="89000"/>
+                        <a:shade val="90000"/>
+                        <a:satMod val="150000"/>
+                      </a:srgbClr>
+                    </a:gs>
+                    <a:gs pos="50000">
+                      <a:srgbClr val="000000">
+                        <a:tint val="100000"/>
+                        <a:shade val="75000"/>
+                        <a:satMod val="150000"/>
+                      </a:srgbClr>
+                    </a:gs>
+                    <a:gs pos="95000">
+                      <a:srgbClr val="000000">
+                        <a:shade val="47000"/>
+                        <a:satMod val="150000"/>
+                      </a:srgbClr>
+                    </a:gs>
+                    <a:gs pos="100000">
+                      <a:srgbClr val="000000">
+                        <a:shade val="39000"/>
+                        <a:satMod val="150000"/>
+                      </a:srgbClr>
+                    </a:gs>
+                  </a:gsLst>
+                  <a:lin ang="5400000"/>
+                </a:gradFill>
+                <a:effectLst>
+                  <a:outerShdw blurRad="50800" algn="tl" rotWithShape="0">
+                    <a:srgbClr val="000000"/>
+                  </a:outerShdw>
+                </a:effectLst>
+                <a:latin typeface="Cooper Black" pitchFamily="18" charset="0"/>
+              </a:rPr>
+              <a:t>VL Frotas</a:t>
+            </a:r>
+            <a:endParaRPr lang="pt-BR" sz="2400" b="1" dirty="0">
+              <a:ln w="17780" cmpd="sng">
+                <a:solidFill>
+                  <a:srgbClr val="FFFFFF"/>
+                </a:solidFill>
+                <a:prstDash val="solid"/>
+                <a:miter lim="800000"/>
+              </a:ln>
+              <a:gradFill rotWithShape="1">
+                <a:gsLst>
+                  <a:gs pos="0">
+                    <a:srgbClr val="000000">
+                      <a:tint val="92000"/>
+                      <a:shade val="100000"/>
+                      <a:satMod val="150000"/>
+                    </a:srgbClr>
+                  </a:gs>
+                  <a:gs pos="49000">
+                    <a:srgbClr val="000000">
+                      <a:tint val="89000"/>
+                      <a:shade val="90000"/>
+                      <a:satMod val="150000"/>
+                    </a:srgbClr>
+                  </a:gs>
+                  <a:gs pos="50000">
+                    <a:srgbClr val="000000">
+                      <a:tint val="100000"/>
+                      <a:shade val="75000"/>
+                      <a:satMod val="150000"/>
+                    </a:srgbClr>
+                  </a:gs>
+                  <a:gs pos="95000">
+                    <a:srgbClr val="000000">
+                      <a:shade val="47000"/>
+                      <a:satMod val="150000"/>
+                    </a:srgbClr>
+                  </a:gs>
+                  <a:gs pos="100000">
+                    <a:srgbClr val="000000">
+                      <a:shade val="39000"/>
+                      <a:satMod val="150000"/>
+                    </a:srgbClr>
+                  </a:gs>
+                </a:gsLst>
+                <a:lin ang="5400000"/>
+              </a:gradFill>
+              <a:effectLst>
+                <a:outerShdw blurRad="50800" algn="tl" rotWithShape="0">
+                  <a:srgbClr val="000000"/>
+                </a:outerShdw>
+              </a:effectLst>
+              <a:latin typeface="Cooper Black" pitchFamily="18" charset="0"/>
+            </a:endParaRPr>
+          </a:p>
+        </p:txBody>
+      </p:sp>
     </p:spTree>
     <p:extLst>
       <p:ext uri="{BB962C8B-B14F-4D97-AF65-F5344CB8AC3E}">
@@ -4146,6 +4420,247 @@
   <p:clrMapOvr>
     <a:masterClrMapping/>
   </p:clrMapOvr>
+  <p:timing>
+    <p:tnLst>
+      <p:par>
+        <p:cTn id="1" dur="indefinite" restart="never" nodeType="tmRoot"/>
+      </p:par>
+    </p:tnLst>
+  </p:timing>
+</p:sld>
+</file>
+
+<file path=ppt/slides/slide13.xml><?xml version="1.0" encoding="utf-8"?>
+<p:sld xmlns:a="http://schemas.openxmlformats.org/drawingml/2006/main" xmlns:r="http://schemas.openxmlformats.org/officeDocument/2006/relationships" xmlns:p="http://schemas.openxmlformats.org/presentationml/2006/main">
+  <p:cSld>
+    <p:spTree>
+      <p:nvGrpSpPr>
+        <p:cNvPr id="1" name=""/>
+        <p:cNvGrpSpPr/>
+        <p:nvPr/>
+      </p:nvGrpSpPr>
+      <p:grpSpPr>
+        <a:xfrm>
+          <a:off x="0" y="0"/>
+          <a:ext cx="0" cy="0"/>
+          <a:chOff x="0" y="0"/>
+          <a:chExt cx="0" cy="0"/>
+        </a:xfrm>
+      </p:grpSpPr>
+      <p:pic>
+        <p:nvPicPr>
+          <p:cNvPr id="2" name="Imagem 1"/>
+          <p:cNvPicPr>
+            <a:picLocks noChangeAspect="1"/>
+          </p:cNvPicPr>
+          <p:nvPr/>
+        </p:nvPicPr>
+        <p:blipFill>
+          <a:blip r:embed="rId2">
+            <a:extLst>
+              <a:ext uri="{28A0092B-C50C-407E-A947-70E740481C1C}">
+                <a14:useLocalDpi xmlns:a14="http://schemas.microsoft.com/office/drawing/2010/main" val="0"/>
+              </a:ext>
+            </a:extLst>
+          </a:blip>
+          <a:stretch>
+            <a:fillRect/>
+          </a:stretch>
+        </p:blipFill>
+        <p:spPr>
+          <a:xfrm>
+            <a:off x="867481" y="1189710"/>
+            <a:ext cx="7344816" cy="4903586"/>
+          </a:xfrm>
+          <a:prstGeom prst="rect">
+            <a:avLst/>
+          </a:prstGeom>
+        </p:spPr>
+      </p:pic>
+      <p:sp>
+        <p:nvSpPr>
+          <p:cNvPr id="3" name="CaixaDeTexto 2"/>
+          <p:cNvSpPr txBox="1"/>
+          <p:nvPr/>
+        </p:nvSpPr>
+        <p:spPr>
+          <a:xfrm>
+            <a:off x="2811697" y="404664"/>
+            <a:ext cx="5400600" cy="646331"/>
+          </a:xfrm>
+          <a:prstGeom prst="rect">
+            <a:avLst/>
+          </a:prstGeom>
+          <a:noFill/>
+        </p:spPr>
+        <p:txBody>
+          <a:bodyPr wrap="square" rtlCol="0">
+            <a:spAutoFit/>
+          </a:bodyPr>
+          <a:lstStyle/>
+          <a:p>
+            <a:pPr marL="285750" indent="-285750">
+              <a:buFont typeface="Wingdings" pitchFamily="2" charset="2"/>
+              <a:buChar char="ü"/>
+            </a:pPr>
+            <a:r>
+              <a:rPr lang="pt-BR" sz="3600" b="1" dirty="0" smtClean="0"/>
+              <a:t>Diagrama</a:t>
+            </a:r>
+            <a:endParaRPr lang="pt-BR" sz="3600" b="1" dirty="0"/>
+          </a:p>
+        </p:txBody>
+      </p:sp>
+      <p:sp>
+        <p:nvSpPr>
+          <p:cNvPr id="5" name="Retângulo 4"/>
+          <p:cNvSpPr/>
+          <p:nvPr/>
+        </p:nvSpPr>
+        <p:spPr>
+          <a:xfrm>
+            <a:off x="874733" y="6209473"/>
+            <a:ext cx="1709571" cy="461665"/>
+          </a:xfrm>
+          <a:prstGeom prst="rect">
+            <a:avLst/>
+          </a:prstGeom>
+        </p:spPr>
+        <p:txBody>
+          <a:bodyPr wrap="none">
+            <a:spAutoFit/>
+          </a:bodyPr>
+          <a:lstStyle/>
+          <a:p>
+            <a:r>
+              <a:rPr lang="pt-BR" sz="2400" b="1" dirty="0" smtClean="0">
+                <a:ln w="17780" cmpd="sng">
+                  <a:solidFill>
+                    <a:srgbClr val="FFFFFF"/>
+                  </a:solidFill>
+                  <a:prstDash val="solid"/>
+                  <a:miter lim="800000"/>
+                </a:ln>
+                <a:gradFill rotWithShape="1">
+                  <a:gsLst>
+                    <a:gs pos="0">
+                      <a:srgbClr val="000000">
+                        <a:tint val="92000"/>
+                        <a:shade val="100000"/>
+                        <a:satMod val="150000"/>
+                      </a:srgbClr>
+                    </a:gs>
+                    <a:gs pos="49000">
+                      <a:srgbClr val="000000">
+                        <a:tint val="89000"/>
+                        <a:shade val="90000"/>
+                        <a:satMod val="150000"/>
+                      </a:srgbClr>
+                    </a:gs>
+                    <a:gs pos="50000">
+                      <a:srgbClr val="000000">
+                        <a:tint val="100000"/>
+                        <a:shade val="75000"/>
+                        <a:satMod val="150000"/>
+                      </a:srgbClr>
+                    </a:gs>
+                    <a:gs pos="95000">
+                      <a:srgbClr val="000000">
+                        <a:shade val="47000"/>
+                        <a:satMod val="150000"/>
+                      </a:srgbClr>
+                    </a:gs>
+                    <a:gs pos="100000">
+                      <a:srgbClr val="000000">
+                        <a:shade val="39000"/>
+                        <a:satMod val="150000"/>
+                      </a:srgbClr>
+                    </a:gs>
+                  </a:gsLst>
+                  <a:lin ang="5400000"/>
+                </a:gradFill>
+                <a:effectLst>
+                  <a:outerShdw blurRad="50800" algn="tl" rotWithShape="0">
+                    <a:srgbClr val="000000"/>
+                  </a:outerShdw>
+                </a:effectLst>
+                <a:latin typeface="Cooper Black" pitchFamily="18" charset="0"/>
+              </a:rPr>
+              <a:t>VL Frotas</a:t>
+            </a:r>
+            <a:endParaRPr lang="pt-BR" sz="2400" b="1" dirty="0">
+              <a:ln w="17780" cmpd="sng">
+                <a:solidFill>
+                  <a:srgbClr val="FFFFFF"/>
+                </a:solidFill>
+                <a:prstDash val="solid"/>
+                <a:miter lim="800000"/>
+              </a:ln>
+              <a:gradFill rotWithShape="1">
+                <a:gsLst>
+                  <a:gs pos="0">
+                    <a:srgbClr val="000000">
+                      <a:tint val="92000"/>
+                      <a:shade val="100000"/>
+                      <a:satMod val="150000"/>
+                    </a:srgbClr>
+                  </a:gs>
+                  <a:gs pos="49000">
+                    <a:srgbClr val="000000">
+                      <a:tint val="89000"/>
+                      <a:shade val="90000"/>
+                      <a:satMod val="150000"/>
+                    </a:srgbClr>
+                  </a:gs>
+                  <a:gs pos="50000">
+                    <a:srgbClr val="000000">
+                      <a:tint val="100000"/>
+                      <a:shade val="75000"/>
+                      <a:satMod val="150000"/>
+                    </a:srgbClr>
+                  </a:gs>
+                  <a:gs pos="95000">
+                    <a:srgbClr val="000000">
+                      <a:shade val="47000"/>
+                      <a:satMod val="150000"/>
+                    </a:srgbClr>
+                  </a:gs>
+                  <a:gs pos="100000">
+                    <a:srgbClr val="000000">
+                      <a:shade val="39000"/>
+                      <a:satMod val="150000"/>
+                    </a:srgbClr>
+                  </a:gs>
+                </a:gsLst>
+                <a:lin ang="5400000"/>
+              </a:gradFill>
+              <a:effectLst>
+                <a:outerShdw blurRad="50800" algn="tl" rotWithShape="0">
+                  <a:srgbClr val="000000"/>
+                </a:outerShdw>
+              </a:effectLst>
+              <a:latin typeface="Cooper Black" pitchFamily="18" charset="0"/>
+            </a:endParaRPr>
+          </a:p>
+        </p:txBody>
+      </p:sp>
+    </p:spTree>
+    <p:extLst>
+      <p:ext uri="{BB962C8B-B14F-4D97-AF65-F5344CB8AC3E}">
+        <p14:creationId xmlns:p14="http://schemas.microsoft.com/office/powerpoint/2010/main" val="1438769083"/>
+      </p:ext>
+    </p:extLst>
+  </p:cSld>
+  <p:clrMapOvr>
+    <a:masterClrMapping/>
+  </p:clrMapOvr>
+  <p:timing>
+    <p:tnLst>
+      <p:par>
+        <p:cTn id="1" dur="indefinite" restart="never" nodeType="tmRoot"/>
+      </p:par>
+    </p:tnLst>
+  </p:timing>
 </p:sld>
 </file>
 
